--- a/schematics/Wiring.pptx
+++ b/schematics/Wiring.pptx
@@ -265,7 +265,7 @@
           <a:p>
             <a:fld id="{4031BD71-AB75-48A5-9DD3-2C8B92F7C741}" type="datetimeFigureOut">
               <a:rPr lang="de-DE" smtClean="0"/>
-              <a:t>14.05.2022</a:t>
+              <a:t>20.05.2022</a:t>
             </a:fld>
             <a:endParaRPr lang="de-DE"/>
           </a:p>
@@ -465,7 +465,7 @@
           <a:p>
             <a:fld id="{4031BD71-AB75-48A5-9DD3-2C8B92F7C741}" type="datetimeFigureOut">
               <a:rPr lang="de-DE" smtClean="0"/>
-              <a:t>14.05.2022</a:t>
+              <a:t>20.05.2022</a:t>
             </a:fld>
             <a:endParaRPr lang="de-DE"/>
           </a:p>
@@ -675,7 +675,7 @@
           <a:p>
             <a:fld id="{4031BD71-AB75-48A5-9DD3-2C8B92F7C741}" type="datetimeFigureOut">
               <a:rPr lang="de-DE" smtClean="0"/>
-              <a:t>14.05.2022</a:t>
+              <a:t>20.05.2022</a:t>
             </a:fld>
             <a:endParaRPr lang="de-DE"/>
           </a:p>
@@ -875,7 +875,7 @@
           <a:p>
             <a:fld id="{4031BD71-AB75-48A5-9DD3-2C8B92F7C741}" type="datetimeFigureOut">
               <a:rPr lang="de-DE" smtClean="0"/>
-              <a:t>14.05.2022</a:t>
+              <a:t>20.05.2022</a:t>
             </a:fld>
             <a:endParaRPr lang="de-DE"/>
           </a:p>
@@ -1151,7 +1151,7 @@
           <a:p>
             <a:fld id="{4031BD71-AB75-48A5-9DD3-2C8B92F7C741}" type="datetimeFigureOut">
               <a:rPr lang="de-DE" smtClean="0"/>
-              <a:t>14.05.2022</a:t>
+              <a:t>20.05.2022</a:t>
             </a:fld>
             <a:endParaRPr lang="de-DE"/>
           </a:p>
@@ -1419,7 +1419,7 @@
           <a:p>
             <a:fld id="{4031BD71-AB75-48A5-9DD3-2C8B92F7C741}" type="datetimeFigureOut">
               <a:rPr lang="de-DE" smtClean="0"/>
-              <a:t>14.05.2022</a:t>
+              <a:t>20.05.2022</a:t>
             </a:fld>
             <a:endParaRPr lang="de-DE"/>
           </a:p>
@@ -1834,7 +1834,7 @@
           <a:p>
             <a:fld id="{4031BD71-AB75-48A5-9DD3-2C8B92F7C741}" type="datetimeFigureOut">
               <a:rPr lang="de-DE" smtClean="0"/>
-              <a:t>14.05.2022</a:t>
+              <a:t>20.05.2022</a:t>
             </a:fld>
             <a:endParaRPr lang="de-DE"/>
           </a:p>
@@ -1976,7 +1976,7 @@
           <a:p>
             <a:fld id="{4031BD71-AB75-48A5-9DD3-2C8B92F7C741}" type="datetimeFigureOut">
               <a:rPr lang="de-DE" smtClean="0"/>
-              <a:t>14.05.2022</a:t>
+              <a:t>20.05.2022</a:t>
             </a:fld>
             <a:endParaRPr lang="de-DE"/>
           </a:p>
@@ -2089,7 +2089,7 @@
           <a:p>
             <a:fld id="{4031BD71-AB75-48A5-9DD3-2C8B92F7C741}" type="datetimeFigureOut">
               <a:rPr lang="de-DE" smtClean="0"/>
-              <a:t>14.05.2022</a:t>
+              <a:t>20.05.2022</a:t>
             </a:fld>
             <a:endParaRPr lang="de-DE"/>
           </a:p>
@@ -2402,7 +2402,7 @@
           <a:p>
             <a:fld id="{4031BD71-AB75-48A5-9DD3-2C8B92F7C741}" type="datetimeFigureOut">
               <a:rPr lang="de-DE" smtClean="0"/>
-              <a:t>14.05.2022</a:t>
+              <a:t>20.05.2022</a:t>
             </a:fld>
             <a:endParaRPr lang="de-DE"/>
           </a:p>
@@ -2691,7 +2691,7 @@
           <a:p>
             <a:fld id="{4031BD71-AB75-48A5-9DD3-2C8B92F7C741}" type="datetimeFigureOut">
               <a:rPr lang="de-DE" smtClean="0"/>
-              <a:t>14.05.2022</a:t>
+              <a:t>20.05.2022</a:t>
             </a:fld>
             <a:endParaRPr lang="de-DE"/>
           </a:p>
@@ -2934,7 +2934,7 @@
           <a:p>
             <a:fld id="{4031BD71-AB75-48A5-9DD3-2C8B92F7C741}" type="datetimeFigureOut">
               <a:rPr lang="de-DE" smtClean="0"/>
-              <a:t>14.05.2022</a:t>
+              <a:t>20.05.2022</a:t>
             </a:fld>
             <a:endParaRPr lang="de-DE"/>
           </a:p>
@@ -4900,16 +4900,15 @@
           </p:cNvPicPr>
           <p:nvPr/>
         </p:nvPicPr>
-        <p:blipFill>
+        <p:blipFill rotWithShape="1">
           <a:blip r:embed="rId2"/>
-          <a:stretch>
-            <a:fillRect/>
-          </a:stretch>
+          <a:srcRect l="16293" t="23938"/>
+          <a:stretch/>
         </p:blipFill>
         <p:spPr>
           <a:xfrm>
-            <a:off x="552450" y="694912"/>
-            <a:ext cx="7833747" cy="5845587"/>
+            <a:off x="444500" y="2043472"/>
+            <a:ext cx="6557397" cy="4446228"/>
           </a:xfrm>
           <a:prstGeom prst="rect">
             <a:avLst/>

--- a/schematics/Wiring.pptx
+++ b/schematics/Wiring.pptx
@@ -10,6 +10,8 @@
     <p:sldId id="258" r:id="rId4"/>
     <p:sldId id="261" r:id="rId5"/>
     <p:sldId id="260" r:id="rId6"/>
+    <p:sldId id="262" r:id="rId7"/>
+    <p:sldId id="263" r:id="rId8"/>
   </p:sldIdLst>
   <p:sldSz cx="12192000" cy="6858000"/>
   <p:notesSz cx="6858000" cy="9144000"/>
@@ -265,7 +267,7 @@
           <a:p>
             <a:fld id="{4031BD71-AB75-48A5-9DD3-2C8B92F7C741}" type="datetimeFigureOut">
               <a:rPr lang="de-DE" smtClean="0"/>
-              <a:t>20.05.2022</a:t>
+              <a:t>29.05.2022</a:t>
             </a:fld>
             <a:endParaRPr lang="de-DE"/>
           </a:p>
@@ -465,7 +467,7 @@
           <a:p>
             <a:fld id="{4031BD71-AB75-48A5-9DD3-2C8B92F7C741}" type="datetimeFigureOut">
               <a:rPr lang="de-DE" smtClean="0"/>
-              <a:t>20.05.2022</a:t>
+              <a:t>29.05.2022</a:t>
             </a:fld>
             <a:endParaRPr lang="de-DE"/>
           </a:p>
@@ -675,7 +677,7 @@
           <a:p>
             <a:fld id="{4031BD71-AB75-48A5-9DD3-2C8B92F7C741}" type="datetimeFigureOut">
               <a:rPr lang="de-DE" smtClean="0"/>
-              <a:t>20.05.2022</a:t>
+              <a:t>29.05.2022</a:t>
             </a:fld>
             <a:endParaRPr lang="de-DE"/>
           </a:p>
@@ -875,7 +877,7 @@
           <a:p>
             <a:fld id="{4031BD71-AB75-48A5-9DD3-2C8B92F7C741}" type="datetimeFigureOut">
               <a:rPr lang="de-DE" smtClean="0"/>
-              <a:t>20.05.2022</a:t>
+              <a:t>29.05.2022</a:t>
             </a:fld>
             <a:endParaRPr lang="de-DE"/>
           </a:p>
@@ -1151,7 +1153,7 @@
           <a:p>
             <a:fld id="{4031BD71-AB75-48A5-9DD3-2C8B92F7C741}" type="datetimeFigureOut">
               <a:rPr lang="de-DE" smtClean="0"/>
-              <a:t>20.05.2022</a:t>
+              <a:t>29.05.2022</a:t>
             </a:fld>
             <a:endParaRPr lang="de-DE"/>
           </a:p>
@@ -1419,7 +1421,7 @@
           <a:p>
             <a:fld id="{4031BD71-AB75-48A5-9DD3-2C8B92F7C741}" type="datetimeFigureOut">
               <a:rPr lang="de-DE" smtClean="0"/>
-              <a:t>20.05.2022</a:t>
+              <a:t>29.05.2022</a:t>
             </a:fld>
             <a:endParaRPr lang="de-DE"/>
           </a:p>
@@ -1834,7 +1836,7 @@
           <a:p>
             <a:fld id="{4031BD71-AB75-48A5-9DD3-2C8B92F7C741}" type="datetimeFigureOut">
               <a:rPr lang="de-DE" smtClean="0"/>
-              <a:t>20.05.2022</a:t>
+              <a:t>29.05.2022</a:t>
             </a:fld>
             <a:endParaRPr lang="de-DE"/>
           </a:p>
@@ -1976,7 +1978,7 @@
           <a:p>
             <a:fld id="{4031BD71-AB75-48A5-9DD3-2C8B92F7C741}" type="datetimeFigureOut">
               <a:rPr lang="de-DE" smtClean="0"/>
-              <a:t>20.05.2022</a:t>
+              <a:t>29.05.2022</a:t>
             </a:fld>
             <a:endParaRPr lang="de-DE"/>
           </a:p>
@@ -2089,7 +2091,7 @@
           <a:p>
             <a:fld id="{4031BD71-AB75-48A5-9DD3-2C8B92F7C741}" type="datetimeFigureOut">
               <a:rPr lang="de-DE" smtClean="0"/>
-              <a:t>20.05.2022</a:t>
+              <a:t>29.05.2022</a:t>
             </a:fld>
             <a:endParaRPr lang="de-DE"/>
           </a:p>
@@ -2402,7 +2404,7 @@
           <a:p>
             <a:fld id="{4031BD71-AB75-48A5-9DD3-2C8B92F7C741}" type="datetimeFigureOut">
               <a:rPr lang="de-DE" smtClean="0"/>
-              <a:t>20.05.2022</a:t>
+              <a:t>29.05.2022</a:t>
             </a:fld>
             <a:endParaRPr lang="de-DE"/>
           </a:p>
@@ -2691,7 +2693,7 @@
           <a:p>
             <a:fld id="{4031BD71-AB75-48A5-9DD3-2C8B92F7C741}" type="datetimeFigureOut">
               <a:rPr lang="de-DE" smtClean="0"/>
-              <a:t>20.05.2022</a:t>
+              <a:t>29.05.2022</a:t>
             </a:fld>
             <a:endParaRPr lang="de-DE"/>
           </a:p>
@@ -2934,7 +2936,7 @@
           <a:p>
             <a:fld id="{4031BD71-AB75-48A5-9DD3-2C8B92F7C741}" type="datetimeFigureOut">
               <a:rPr lang="de-DE" smtClean="0"/>
-              <a:t>20.05.2022</a:t>
+              <a:t>29.05.2022</a:t>
             </a:fld>
             <a:endParaRPr lang="de-DE"/>
           </a:p>
@@ -5272,6 +5274,382 @@
 </p:sld>
 </file>
 
+<file path=ppt/slides/slide6.xml><?xml version="1.0" encoding="utf-8"?>
+<p:sld xmlns:a="http://schemas.openxmlformats.org/drawingml/2006/main" xmlns:r="http://schemas.openxmlformats.org/officeDocument/2006/relationships" xmlns:p="http://schemas.openxmlformats.org/presentationml/2006/main">
+  <p:cSld>
+    <p:spTree>
+      <p:nvGrpSpPr>
+        <p:cNvPr id="1" name=""/>
+        <p:cNvGrpSpPr/>
+        <p:nvPr/>
+      </p:nvGrpSpPr>
+      <p:grpSpPr>
+        <a:xfrm>
+          <a:off x="0" y="0"/>
+          <a:ext cx="0" cy="0"/>
+          <a:chOff x="0" y="0"/>
+          <a:chExt cx="0" cy="0"/>
+        </a:xfrm>
+      </p:grpSpPr>
+      <p:pic>
+        <p:nvPicPr>
+          <p:cNvPr id="5" name="Picture 4">
+            <a:extLst>
+              <a:ext uri="{FF2B5EF4-FFF2-40B4-BE49-F238E27FC236}">
+                <a16:creationId xmlns:a16="http://schemas.microsoft.com/office/drawing/2014/main" id="{CCC5C55E-832D-C604-17BB-76AEAFC1DE6F}"/>
+              </a:ext>
+            </a:extLst>
+          </p:cNvPr>
+          <p:cNvPicPr>
+            <a:picLocks noChangeAspect="1"/>
+          </p:cNvPicPr>
+          <p:nvPr/>
+        </p:nvPicPr>
+        <p:blipFill>
+          <a:blip r:embed="rId2">
+            <a:extLst>
+              <a:ext uri="{28A0092B-C50C-407E-A947-70E740481C1C}">
+                <a14:useLocalDpi xmlns:a14="http://schemas.microsoft.com/office/drawing/2010/main" val="0"/>
+              </a:ext>
+            </a:extLst>
+          </a:blip>
+          <a:stretch>
+            <a:fillRect/>
+          </a:stretch>
+        </p:blipFill>
+        <p:spPr>
+          <a:xfrm>
+            <a:off x="4079033" y="655572"/>
+            <a:ext cx="3810000" cy="2505075"/>
+          </a:xfrm>
+          <a:prstGeom prst="rect">
+            <a:avLst/>
+          </a:prstGeom>
+        </p:spPr>
+      </p:pic>
+      <p:pic>
+        <p:nvPicPr>
+          <p:cNvPr id="7" name="Picture 6">
+            <a:extLst>
+              <a:ext uri="{FF2B5EF4-FFF2-40B4-BE49-F238E27FC236}">
+                <a16:creationId xmlns:a16="http://schemas.microsoft.com/office/drawing/2014/main" id="{FB77FE47-15E8-DB5D-328A-19DEF5ED4339}"/>
+              </a:ext>
+            </a:extLst>
+          </p:cNvPr>
+          <p:cNvPicPr>
+            <a:picLocks noChangeAspect="1"/>
+          </p:cNvPicPr>
+          <p:nvPr/>
+        </p:nvPicPr>
+        <p:blipFill>
+          <a:blip r:embed="rId3">
+            <a:extLst>
+              <a:ext uri="{28A0092B-C50C-407E-A947-70E740481C1C}">
+                <a14:useLocalDpi xmlns:a14="http://schemas.microsoft.com/office/drawing/2010/main" val="0"/>
+              </a:ext>
+            </a:extLst>
+          </a:blip>
+          <a:stretch>
+            <a:fillRect/>
+          </a:stretch>
+        </p:blipFill>
+        <p:spPr>
+          <a:xfrm>
+            <a:off x="4385388" y="3429000"/>
+            <a:ext cx="3048000" cy="1514475"/>
+          </a:xfrm>
+          <a:prstGeom prst="rect">
+            <a:avLst/>
+          </a:prstGeom>
+        </p:spPr>
+      </p:pic>
+    </p:spTree>
+    <p:extLst>
+      <p:ext uri="{BB962C8B-B14F-4D97-AF65-F5344CB8AC3E}">
+        <p14:creationId xmlns:p14="http://schemas.microsoft.com/office/powerpoint/2010/main" val="2671613917"/>
+      </p:ext>
+    </p:extLst>
+  </p:cSld>
+  <p:clrMapOvr>
+    <a:masterClrMapping/>
+  </p:clrMapOvr>
+</p:sld>
+</file>
+
+<file path=ppt/slides/slide7.xml><?xml version="1.0" encoding="utf-8"?>
+<p:sld xmlns:a="http://schemas.openxmlformats.org/drawingml/2006/main" xmlns:r="http://schemas.openxmlformats.org/officeDocument/2006/relationships" xmlns:p="http://schemas.openxmlformats.org/presentationml/2006/main">
+  <p:cSld>
+    <p:spTree>
+      <p:nvGrpSpPr>
+        <p:cNvPr id="1" name=""/>
+        <p:cNvGrpSpPr/>
+        <p:nvPr/>
+      </p:nvGrpSpPr>
+      <p:grpSpPr>
+        <a:xfrm>
+          <a:off x="0" y="0"/>
+          <a:ext cx="0" cy="0"/>
+          <a:chOff x="0" y="0"/>
+          <a:chExt cx="0" cy="0"/>
+        </a:xfrm>
+      </p:grpSpPr>
+      <p:pic>
+        <p:nvPicPr>
+          <p:cNvPr id="5" name="Picture 4">
+            <a:extLst>
+              <a:ext uri="{FF2B5EF4-FFF2-40B4-BE49-F238E27FC236}">
+                <a16:creationId xmlns:a16="http://schemas.microsoft.com/office/drawing/2014/main" id="{A252790D-B8F8-46DF-3A9E-8DA3AFAD6CEF}"/>
+              </a:ext>
+            </a:extLst>
+          </p:cNvPr>
+          <p:cNvPicPr>
+            <a:picLocks noChangeAspect="1"/>
+          </p:cNvPicPr>
+          <p:nvPr/>
+        </p:nvPicPr>
+        <p:blipFill rotWithShape="1">
+          <a:blip r:embed="rId2"/>
+          <a:srcRect l="33226" t="17735" r="34193" b="23820"/>
+          <a:stretch/>
+        </p:blipFill>
+        <p:spPr>
+          <a:xfrm>
+            <a:off x="609601" y="599768"/>
+            <a:ext cx="6023232" cy="5799596"/>
+          </a:xfrm>
+          <a:prstGeom prst="rect">
+            <a:avLst/>
+          </a:prstGeom>
+        </p:spPr>
+      </p:pic>
+      <p:sp>
+        <p:nvSpPr>
+          <p:cNvPr id="6" name="TextBox 5">
+            <a:extLst>
+              <a:ext uri="{FF2B5EF4-FFF2-40B4-BE49-F238E27FC236}">
+                <a16:creationId xmlns:a16="http://schemas.microsoft.com/office/drawing/2014/main" id="{81D2FD1D-D37E-BF71-9E7C-16AA26D20222}"/>
+              </a:ext>
+            </a:extLst>
+          </p:cNvPr>
+          <p:cNvSpPr txBox="1"/>
+          <p:nvPr/>
+        </p:nvSpPr>
+        <p:spPr>
+          <a:xfrm>
+            <a:off x="7305368" y="993058"/>
+            <a:ext cx="1552028" cy="369332"/>
+          </a:xfrm>
+          <a:prstGeom prst="rect">
+            <a:avLst/>
+          </a:prstGeom>
+          <a:noFill/>
+        </p:spPr>
+        <p:txBody>
+          <a:bodyPr wrap="none" rtlCol="0">
+            <a:spAutoFit/>
+          </a:bodyPr>
+          <a:lstStyle/>
+          <a:p>
+            <a:r>
+              <a:rPr lang="en-GB" dirty="0" err="1"/>
+              <a:t>C</a:t>
+            </a:r>
+            <a:r>
+              <a:rPr lang="en-GB" baseline="-25000" dirty="0" err="1"/>
+              <a:t>load</a:t>
+            </a:r>
+            <a:r>
+              <a:rPr lang="en-GB" dirty="0"/>
+              <a:t> = 6*2.2uF</a:t>
+            </a:r>
+          </a:p>
+        </p:txBody>
+      </p:sp>
+      <p:sp>
+        <p:nvSpPr>
+          <p:cNvPr id="7" name="TextBox 6">
+            <a:extLst>
+              <a:ext uri="{FF2B5EF4-FFF2-40B4-BE49-F238E27FC236}">
+                <a16:creationId xmlns:a16="http://schemas.microsoft.com/office/drawing/2014/main" id="{63853F2D-81AF-A16E-A341-849BEA90B690}"/>
+              </a:ext>
+            </a:extLst>
+          </p:cNvPr>
+          <p:cNvSpPr txBox="1"/>
+          <p:nvPr/>
+        </p:nvSpPr>
+        <p:spPr>
+          <a:xfrm>
+            <a:off x="7305368" y="1362390"/>
+            <a:ext cx="1086708" cy="369332"/>
+          </a:xfrm>
+          <a:prstGeom prst="rect">
+            <a:avLst/>
+          </a:prstGeom>
+          <a:noFill/>
+        </p:spPr>
+        <p:txBody>
+          <a:bodyPr wrap="none" rtlCol="0">
+            <a:spAutoFit/>
+          </a:bodyPr>
+          <a:lstStyle/>
+          <a:p>
+            <a:r>
+              <a:rPr lang="en-GB" dirty="0"/>
+              <a:t>C</a:t>
+            </a:r>
+            <a:r>
+              <a:rPr lang="en-GB" baseline="-25000" dirty="0"/>
+              <a:t>G</a:t>
+            </a:r>
+            <a:r>
+              <a:rPr lang="en-GB" dirty="0"/>
+              <a:t> = 47nF</a:t>
+            </a:r>
+          </a:p>
+        </p:txBody>
+      </p:sp>
+      <p:sp>
+        <p:nvSpPr>
+          <p:cNvPr id="8" name="TextBox 7">
+            <a:extLst>
+              <a:ext uri="{FF2B5EF4-FFF2-40B4-BE49-F238E27FC236}">
+                <a16:creationId xmlns:a16="http://schemas.microsoft.com/office/drawing/2014/main" id="{D1CAE405-01FF-AAC6-BAF4-E2AD94969487}"/>
+              </a:ext>
+            </a:extLst>
+          </p:cNvPr>
+          <p:cNvSpPr txBox="1"/>
+          <p:nvPr/>
+        </p:nvSpPr>
+        <p:spPr>
+          <a:xfrm>
+            <a:off x="7305368" y="1767379"/>
+            <a:ext cx="964816" cy="369332"/>
+          </a:xfrm>
+          <a:prstGeom prst="rect">
+            <a:avLst/>
+          </a:prstGeom>
+          <a:noFill/>
+        </p:spPr>
+        <p:txBody>
+          <a:bodyPr wrap="none" rtlCol="0">
+            <a:spAutoFit/>
+          </a:bodyPr>
+          <a:lstStyle/>
+          <a:p>
+            <a:r>
+              <a:rPr lang="en-GB" dirty="0"/>
+              <a:t>R</a:t>
+            </a:r>
+            <a:r>
+              <a:rPr lang="en-GB" baseline="-25000" dirty="0"/>
+              <a:t>G</a:t>
+            </a:r>
+            <a:r>
+              <a:rPr lang="en-GB" dirty="0"/>
+              <a:t> = 22k</a:t>
+            </a:r>
+          </a:p>
+        </p:txBody>
+      </p:sp>
+      <p:sp>
+        <p:nvSpPr>
+          <p:cNvPr id="9" name="TextBox 8">
+            <a:extLst>
+              <a:ext uri="{FF2B5EF4-FFF2-40B4-BE49-F238E27FC236}">
+                <a16:creationId xmlns:a16="http://schemas.microsoft.com/office/drawing/2014/main" id="{91195F52-B142-2163-DF91-AA0A55521757}"/>
+              </a:ext>
+            </a:extLst>
+          </p:cNvPr>
+          <p:cNvSpPr txBox="1"/>
+          <p:nvPr/>
+        </p:nvSpPr>
+        <p:spPr>
+          <a:xfrm>
+            <a:off x="7305367" y="2421225"/>
+            <a:ext cx="1744388" cy="369332"/>
+          </a:xfrm>
+          <a:prstGeom prst="rect">
+            <a:avLst/>
+          </a:prstGeom>
+          <a:noFill/>
+        </p:spPr>
+        <p:txBody>
+          <a:bodyPr wrap="none" rtlCol="0">
+            <a:spAutoFit/>
+          </a:bodyPr>
+          <a:lstStyle/>
+          <a:p>
+            <a:r>
+              <a:rPr lang="en-GB" dirty="0"/>
+              <a:t>-&gt; I</a:t>
+            </a:r>
+            <a:r>
+              <a:rPr lang="en-GB" baseline="-25000" dirty="0"/>
+              <a:t>IN_RUSH</a:t>
+            </a:r>
+            <a:r>
+              <a:rPr lang="en-GB" dirty="0"/>
+              <a:t> = 0.1 A</a:t>
+            </a:r>
+          </a:p>
+        </p:txBody>
+      </p:sp>
+      <p:sp>
+        <p:nvSpPr>
+          <p:cNvPr id="11" name="TextBox 10">
+            <a:extLst>
+              <a:ext uri="{FF2B5EF4-FFF2-40B4-BE49-F238E27FC236}">
+                <a16:creationId xmlns:a16="http://schemas.microsoft.com/office/drawing/2014/main" id="{D0D46798-759E-6630-5FE2-4CA417E857E1}"/>
+              </a:ext>
+            </a:extLst>
+          </p:cNvPr>
+          <p:cNvSpPr txBox="1"/>
+          <p:nvPr/>
+        </p:nvSpPr>
+        <p:spPr>
+          <a:xfrm>
+            <a:off x="7305367" y="2890405"/>
+            <a:ext cx="1132041" cy="369332"/>
+          </a:xfrm>
+          <a:prstGeom prst="rect">
+            <a:avLst/>
+          </a:prstGeom>
+          <a:noFill/>
+        </p:spPr>
+        <p:txBody>
+          <a:bodyPr wrap="none" rtlCol="0">
+            <a:spAutoFit/>
+          </a:bodyPr>
+          <a:lstStyle/>
+          <a:p>
+            <a:r>
+              <a:rPr lang="en-GB" dirty="0"/>
+              <a:t>C</a:t>
+            </a:r>
+            <a:r>
+              <a:rPr lang="en-GB" baseline="-25000" dirty="0"/>
+              <a:t>B</a:t>
+            </a:r>
+            <a:r>
+              <a:rPr lang="en-GB" dirty="0"/>
+              <a:t> = 2.2uF</a:t>
+            </a:r>
+          </a:p>
+        </p:txBody>
+      </p:sp>
+    </p:spTree>
+    <p:extLst>
+      <p:ext uri="{BB962C8B-B14F-4D97-AF65-F5344CB8AC3E}">
+        <p14:creationId xmlns:p14="http://schemas.microsoft.com/office/powerpoint/2010/main" val="3912082879"/>
+      </p:ext>
+    </p:extLst>
+  </p:cSld>
+  <p:clrMapOvr>
+    <a:masterClrMapping/>
+  </p:clrMapOvr>
+</p:sld>
+</file>
+
 <file path=ppt/theme/theme1.xml><?xml version="1.0" encoding="utf-8"?>
 <a:theme xmlns:a="http://schemas.openxmlformats.org/drawingml/2006/main" name="Office Theme">
   <a:themeElements>

--- a/schematics/Wiring.pptx
+++ b/schematics/Wiring.pptx
@@ -267,7 +267,7 @@
           <a:p>
             <a:fld id="{4031BD71-AB75-48A5-9DD3-2C8B92F7C741}" type="datetimeFigureOut">
               <a:rPr lang="de-DE" smtClean="0"/>
-              <a:t>29.05.2022</a:t>
+              <a:t>12.06.2022</a:t>
             </a:fld>
             <a:endParaRPr lang="de-DE"/>
           </a:p>
@@ -467,7 +467,7 @@
           <a:p>
             <a:fld id="{4031BD71-AB75-48A5-9DD3-2C8B92F7C741}" type="datetimeFigureOut">
               <a:rPr lang="de-DE" smtClean="0"/>
-              <a:t>29.05.2022</a:t>
+              <a:t>12.06.2022</a:t>
             </a:fld>
             <a:endParaRPr lang="de-DE"/>
           </a:p>
@@ -677,7 +677,7 @@
           <a:p>
             <a:fld id="{4031BD71-AB75-48A5-9DD3-2C8B92F7C741}" type="datetimeFigureOut">
               <a:rPr lang="de-DE" smtClean="0"/>
-              <a:t>29.05.2022</a:t>
+              <a:t>12.06.2022</a:t>
             </a:fld>
             <a:endParaRPr lang="de-DE"/>
           </a:p>
@@ -877,7 +877,7 @@
           <a:p>
             <a:fld id="{4031BD71-AB75-48A5-9DD3-2C8B92F7C741}" type="datetimeFigureOut">
               <a:rPr lang="de-DE" smtClean="0"/>
-              <a:t>29.05.2022</a:t>
+              <a:t>12.06.2022</a:t>
             </a:fld>
             <a:endParaRPr lang="de-DE"/>
           </a:p>
@@ -1153,7 +1153,7 @@
           <a:p>
             <a:fld id="{4031BD71-AB75-48A5-9DD3-2C8B92F7C741}" type="datetimeFigureOut">
               <a:rPr lang="de-DE" smtClean="0"/>
-              <a:t>29.05.2022</a:t>
+              <a:t>12.06.2022</a:t>
             </a:fld>
             <a:endParaRPr lang="de-DE"/>
           </a:p>
@@ -1421,7 +1421,7 @@
           <a:p>
             <a:fld id="{4031BD71-AB75-48A5-9DD3-2C8B92F7C741}" type="datetimeFigureOut">
               <a:rPr lang="de-DE" smtClean="0"/>
-              <a:t>29.05.2022</a:t>
+              <a:t>12.06.2022</a:t>
             </a:fld>
             <a:endParaRPr lang="de-DE"/>
           </a:p>
@@ -1836,7 +1836,7 @@
           <a:p>
             <a:fld id="{4031BD71-AB75-48A5-9DD3-2C8B92F7C741}" type="datetimeFigureOut">
               <a:rPr lang="de-DE" smtClean="0"/>
-              <a:t>29.05.2022</a:t>
+              <a:t>12.06.2022</a:t>
             </a:fld>
             <a:endParaRPr lang="de-DE"/>
           </a:p>
@@ -1978,7 +1978,7 @@
           <a:p>
             <a:fld id="{4031BD71-AB75-48A5-9DD3-2C8B92F7C741}" type="datetimeFigureOut">
               <a:rPr lang="de-DE" smtClean="0"/>
-              <a:t>29.05.2022</a:t>
+              <a:t>12.06.2022</a:t>
             </a:fld>
             <a:endParaRPr lang="de-DE"/>
           </a:p>
@@ -2091,7 +2091,7 @@
           <a:p>
             <a:fld id="{4031BD71-AB75-48A5-9DD3-2C8B92F7C741}" type="datetimeFigureOut">
               <a:rPr lang="de-DE" smtClean="0"/>
-              <a:t>29.05.2022</a:t>
+              <a:t>12.06.2022</a:t>
             </a:fld>
             <a:endParaRPr lang="de-DE"/>
           </a:p>
@@ -2404,7 +2404,7 @@
           <a:p>
             <a:fld id="{4031BD71-AB75-48A5-9DD3-2C8B92F7C741}" type="datetimeFigureOut">
               <a:rPr lang="de-DE" smtClean="0"/>
-              <a:t>29.05.2022</a:t>
+              <a:t>12.06.2022</a:t>
             </a:fld>
             <a:endParaRPr lang="de-DE"/>
           </a:p>
@@ -2693,7 +2693,7 @@
           <a:p>
             <a:fld id="{4031BD71-AB75-48A5-9DD3-2C8B92F7C741}" type="datetimeFigureOut">
               <a:rPr lang="de-DE" smtClean="0"/>
-              <a:t>29.05.2022</a:t>
+              <a:t>12.06.2022</a:t>
             </a:fld>
             <a:endParaRPr lang="de-DE"/>
           </a:p>
@@ -2936,7 +2936,7 @@
           <a:p>
             <a:fld id="{4031BD71-AB75-48A5-9DD3-2C8B92F7C741}" type="datetimeFigureOut">
               <a:rPr lang="de-DE" smtClean="0"/>
-              <a:t>29.05.2022</a:t>
+              <a:t>12.06.2022</a:t>
             </a:fld>
             <a:endParaRPr lang="de-DE"/>
           </a:p>
@@ -4119,7 +4119,7 @@
         </p:blipFill>
         <p:spPr>
           <a:xfrm>
-            <a:off x="8348769" y="1302214"/>
+            <a:off x="8359883" y="864385"/>
             <a:ext cx="3582880" cy="2569540"/>
           </a:xfrm>
           <a:prstGeom prst="rect">

--- a/schematics/Wiring.pptx
+++ b/schematics/Wiring.pptx
@@ -12,6 +12,7 @@
     <p:sldId id="260" r:id="rId6"/>
     <p:sldId id="262" r:id="rId7"/>
     <p:sldId id="263" r:id="rId8"/>
+    <p:sldId id="264" r:id="rId9"/>
   </p:sldIdLst>
   <p:sldSz cx="12192000" cy="6858000"/>
   <p:notesSz cx="6858000" cy="9144000"/>
@@ -267,7 +268,7 @@
           <a:p>
             <a:fld id="{4031BD71-AB75-48A5-9DD3-2C8B92F7C741}" type="datetimeFigureOut">
               <a:rPr lang="de-DE" smtClean="0"/>
-              <a:t>12.06.2022</a:t>
+              <a:t>27.06.2022</a:t>
             </a:fld>
             <a:endParaRPr lang="de-DE"/>
           </a:p>
@@ -467,7 +468,7 @@
           <a:p>
             <a:fld id="{4031BD71-AB75-48A5-9DD3-2C8B92F7C741}" type="datetimeFigureOut">
               <a:rPr lang="de-DE" smtClean="0"/>
-              <a:t>12.06.2022</a:t>
+              <a:t>27.06.2022</a:t>
             </a:fld>
             <a:endParaRPr lang="de-DE"/>
           </a:p>
@@ -677,7 +678,7 @@
           <a:p>
             <a:fld id="{4031BD71-AB75-48A5-9DD3-2C8B92F7C741}" type="datetimeFigureOut">
               <a:rPr lang="de-DE" smtClean="0"/>
-              <a:t>12.06.2022</a:t>
+              <a:t>27.06.2022</a:t>
             </a:fld>
             <a:endParaRPr lang="de-DE"/>
           </a:p>
@@ -877,7 +878,7 @@
           <a:p>
             <a:fld id="{4031BD71-AB75-48A5-9DD3-2C8B92F7C741}" type="datetimeFigureOut">
               <a:rPr lang="de-DE" smtClean="0"/>
-              <a:t>12.06.2022</a:t>
+              <a:t>27.06.2022</a:t>
             </a:fld>
             <a:endParaRPr lang="de-DE"/>
           </a:p>
@@ -1153,7 +1154,7 @@
           <a:p>
             <a:fld id="{4031BD71-AB75-48A5-9DD3-2C8B92F7C741}" type="datetimeFigureOut">
               <a:rPr lang="de-DE" smtClean="0"/>
-              <a:t>12.06.2022</a:t>
+              <a:t>27.06.2022</a:t>
             </a:fld>
             <a:endParaRPr lang="de-DE"/>
           </a:p>
@@ -1421,7 +1422,7 @@
           <a:p>
             <a:fld id="{4031BD71-AB75-48A5-9DD3-2C8B92F7C741}" type="datetimeFigureOut">
               <a:rPr lang="de-DE" smtClean="0"/>
-              <a:t>12.06.2022</a:t>
+              <a:t>27.06.2022</a:t>
             </a:fld>
             <a:endParaRPr lang="de-DE"/>
           </a:p>
@@ -1836,7 +1837,7 @@
           <a:p>
             <a:fld id="{4031BD71-AB75-48A5-9DD3-2C8B92F7C741}" type="datetimeFigureOut">
               <a:rPr lang="de-DE" smtClean="0"/>
-              <a:t>12.06.2022</a:t>
+              <a:t>27.06.2022</a:t>
             </a:fld>
             <a:endParaRPr lang="de-DE"/>
           </a:p>
@@ -1978,7 +1979,7 @@
           <a:p>
             <a:fld id="{4031BD71-AB75-48A5-9DD3-2C8B92F7C741}" type="datetimeFigureOut">
               <a:rPr lang="de-DE" smtClean="0"/>
-              <a:t>12.06.2022</a:t>
+              <a:t>27.06.2022</a:t>
             </a:fld>
             <a:endParaRPr lang="de-DE"/>
           </a:p>
@@ -2091,7 +2092,7 @@
           <a:p>
             <a:fld id="{4031BD71-AB75-48A5-9DD3-2C8B92F7C741}" type="datetimeFigureOut">
               <a:rPr lang="de-DE" smtClean="0"/>
-              <a:t>12.06.2022</a:t>
+              <a:t>27.06.2022</a:t>
             </a:fld>
             <a:endParaRPr lang="de-DE"/>
           </a:p>
@@ -2404,7 +2405,7 @@
           <a:p>
             <a:fld id="{4031BD71-AB75-48A5-9DD3-2C8B92F7C741}" type="datetimeFigureOut">
               <a:rPr lang="de-DE" smtClean="0"/>
-              <a:t>12.06.2022</a:t>
+              <a:t>27.06.2022</a:t>
             </a:fld>
             <a:endParaRPr lang="de-DE"/>
           </a:p>
@@ -2693,7 +2694,7 @@
           <a:p>
             <a:fld id="{4031BD71-AB75-48A5-9DD3-2C8B92F7C741}" type="datetimeFigureOut">
               <a:rPr lang="de-DE" smtClean="0"/>
-              <a:t>12.06.2022</a:t>
+              <a:t>27.06.2022</a:t>
             </a:fld>
             <a:endParaRPr lang="de-DE"/>
           </a:p>
@@ -2936,7 +2937,7 @@
           <a:p>
             <a:fld id="{4031BD71-AB75-48A5-9DD3-2C8B92F7C741}" type="datetimeFigureOut">
               <a:rPr lang="de-DE" smtClean="0"/>
-              <a:t>12.06.2022</a:t>
+              <a:t>27.06.2022</a:t>
             </a:fld>
             <a:endParaRPr lang="de-DE"/>
           </a:p>
@@ -5650,6 +5651,855 @@
 </p:sld>
 </file>
 
+<file path=ppt/slides/slide8.xml><?xml version="1.0" encoding="utf-8"?>
+<p:sld xmlns:a="http://schemas.openxmlformats.org/drawingml/2006/main" xmlns:r="http://schemas.openxmlformats.org/officeDocument/2006/relationships" xmlns:p="http://schemas.openxmlformats.org/presentationml/2006/main">
+  <p:cSld>
+    <p:spTree>
+      <p:nvGrpSpPr>
+        <p:cNvPr id="1" name=""/>
+        <p:cNvGrpSpPr/>
+        <p:nvPr/>
+      </p:nvGrpSpPr>
+      <p:grpSpPr>
+        <a:xfrm>
+          <a:off x="0" y="0"/>
+          <a:ext cx="0" cy="0"/>
+          <a:chOff x="0" y="0"/>
+          <a:chExt cx="0" cy="0"/>
+        </a:xfrm>
+      </p:grpSpPr>
+      <p:pic>
+        <p:nvPicPr>
+          <p:cNvPr id="5" name="Picture 4">
+            <a:extLst>
+              <a:ext uri="{FF2B5EF4-FFF2-40B4-BE49-F238E27FC236}">
+                <a16:creationId xmlns:a16="http://schemas.microsoft.com/office/drawing/2014/main" id="{2644F8B7-A2CC-1077-57E7-71F7884E2ABA}"/>
+              </a:ext>
+            </a:extLst>
+          </p:cNvPr>
+          <p:cNvPicPr>
+            <a:picLocks noChangeAspect="1"/>
+          </p:cNvPicPr>
+          <p:nvPr/>
+        </p:nvPicPr>
+        <p:blipFill>
+          <a:blip r:embed="rId2"/>
+          <a:stretch>
+            <a:fillRect/>
+          </a:stretch>
+        </p:blipFill>
+        <p:spPr>
+          <a:xfrm>
+            <a:off x="492477" y="801112"/>
+            <a:ext cx="4937212" cy="2205584"/>
+          </a:xfrm>
+          <a:prstGeom prst="rect">
+            <a:avLst/>
+          </a:prstGeom>
+        </p:spPr>
+      </p:pic>
+      <p:pic>
+        <p:nvPicPr>
+          <p:cNvPr id="7" name="Picture 6">
+            <a:extLst>
+              <a:ext uri="{FF2B5EF4-FFF2-40B4-BE49-F238E27FC236}">
+                <a16:creationId xmlns:a16="http://schemas.microsoft.com/office/drawing/2014/main" id="{A105076F-CE5E-1010-6B0E-A2DDB7C16600}"/>
+              </a:ext>
+            </a:extLst>
+          </p:cNvPr>
+          <p:cNvPicPr>
+            <a:picLocks noChangeAspect="1"/>
+          </p:cNvPicPr>
+          <p:nvPr/>
+        </p:nvPicPr>
+        <p:blipFill>
+          <a:blip r:embed="rId3"/>
+          <a:stretch>
+            <a:fillRect/>
+          </a:stretch>
+        </p:blipFill>
+        <p:spPr>
+          <a:xfrm>
+            <a:off x="5104789" y="454776"/>
+            <a:ext cx="6153150" cy="6105525"/>
+          </a:xfrm>
+          <a:prstGeom prst="rect">
+            <a:avLst/>
+          </a:prstGeom>
+        </p:spPr>
+      </p:pic>
+      <p:cxnSp>
+        <p:nvCxnSpPr>
+          <p:cNvPr id="10" name="Straight Connector 9">
+            <a:extLst>
+              <a:ext uri="{FF2B5EF4-FFF2-40B4-BE49-F238E27FC236}">
+                <a16:creationId xmlns:a16="http://schemas.microsoft.com/office/drawing/2014/main" id="{08595A78-3463-D730-540C-4CE276CD3984}"/>
+              </a:ext>
+            </a:extLst>
+          </p:cNvPr>
+          <p:cNvCxnSpPr>
+            <a:cxnSpLocks/>
+            <a:endCxn id="11" idx="0"/>
+          </p:cNvCxnSpPr>
+          <p:nvPr/>
+        </p:nvCxnSpPr>
+        <p:spPr>
+          <a:xfrm flipH="1">
+            <a:off x="6779176" y="1765440"/>
+            <a:ext cx="34189" cy="660428"/>
+          </a:xfrm>
+          <a:prstGeom prst="line">
+            <a:avLst/>
+          </a:prstGeom>
+          <a:ln>
+            <a:solidFill>
+              <a:schemeClr val="bg1"/>
+            </a:solidFill>
+          </a:ln>
+        </p:spPr>
+        <p:style>
+          <a:lnRef idx="1">
+            <a:schemeClr val="accent1"/>
+          </a:lnRef>
+          <a:fillRef idx="0">
+            <a:schemeClr val="accent1"/>
+          </a:fillRef>
+          <a:effectRef idx="0">
+            <a:schemeClr val="accent1"/>
+          </a:effectRef>
+          <a:fontRef idx="minor">
+            <a:schemeClr val="tx1"/>
+          </a:fontRef>
+        </p:style>
+      </p:cxnSp>
+      <p:sp>
+        <p:nvSpPr>
+          <p:cNvPr id="11" name="TextBox 10">
+            <a:extLst>
+              <a:ext uri="{FF2B5EF4-FFF2-40B4-BE49-F238E27FC236}">
+                <a16:creationId xmlns:a16="http://schemas.microsoft.com/office/drawing/2014/main" id="{D0ADEEF2-0F52-9C27-2D38-F3E4C400577D}"/>
+              </a:ext>
+            </a:extLst>
+          </p:cNvPr>
+          <p:cNvSpPr txBox="1"/>
+          <p:nvPr/>
+        </p:nvSpPr>
+        <p:spPr>
+          <a:xfrm>
+            <a:off x="6578640" y="2425868"/>
+            <a:ext cx="401072" cy="230832"/>
+          </a:xfrm>
+          <a:prstGeom prst="rect">
+            <a:avLst/>
+          </a:prstGeom>
+          <a:noFill/>
+        </p:spPr>
+        <p:txBody>
+          <a:bodyPr wrap="none" rtlCol="0">
+            <a:spAutoFit/>
+          </a:bodyPr>
+          <a:lstStyle/>
+          <a:p>
+            <a:r>
+              <a:rPr lang="en-GB" sz="900" dirty="0">
+                <a:solidFill>
+                  <a:schemeClr val="accent2"/>
+                </a:solidFill>
+              </a:rPr>
+              <a:t>GND</a:t>
+            </a:r>
+          </a:p>
+        </p:txBody>
+      </p:sp>
+      <p:cxnSp>
+        <p:nvCxnSpPr>
+          <p:cNvPr id="16" name="Straight Connector 15">
+            <a:extLst>
+              <a:ext uri="{FF2B5EF4-FFF2-40B4-BE49-F238E27FC236}">
+                <a16:creationId xmlns:a16="http://schemas.microsoft.com/office/drawing/2014/main" id="{85C43DF8-276C-D432-6454-8B7B76364677}"/>
+              </a:ext>
+            </a:extLst>
+          </p:cNvPr>
+          <p:cNvCxnSpPr>
+            <a:cxnSpLocks/>
+          </p:cNvCxnSpPr>
+          <p:nvPr/>
+        </p:nvCxnSpPr>
+        <p:spPr>
+          <a:xfrm flipH="1">
+            <a:off x="10221985" y="2024855"/>
+            <a:ext cx="154305" cy="762815"/>
+          </a:xfrm>
+          <a:prstGeom prst="line">
+            <a:avLst/>
+          </a:prstGeom>
+          <a:ln>
+            <a:solidFill>
+              <a:schemeClr val="bg1"/>
+            </a:solidFill>
+          </a:ln>
+        </p:spPr>
+        <p:style>
+          <a:lnRef idx="1">
+            <a:schemeClr val="accent1"/>
+          </a:lnRef>
+          <a:fillRef idx="0">
+            <a:schemeClr val="accent1"/>
+          </a:fillRef>
+          <a:effectRef idx="0">
+            <a:schemeClr val="accent1"/>
+          </a:effectRef>
+          <a:fontRef idx="minor">
+            <a:schemeClr val="tx1"/>
+          </a:fontRef>
+        </p:style>
+      </p:cxnSp>
+      <p:sp>
+        <p:nvSpPr>
+          <p:cNvPr id="17" name="TextBox 16">
+            <a:extLst>
+              <a:ext uri="{FF2B5EF4-FFF2-40B4-BE49-F238E27FC236}">
+                <a16:creationId xmlns:a16="http://schemas.microsoft.com/office/drawing/2014/main" id="{DA9554E5-891F-268F-AE50-4D117B848660}"/>
+              </a:ext>
+            </a:extLst>
+          </p:cNvPr>
+          <p:cNvSpPr txBox="1"/>
+          <p:nvPr/>
+        </p:nvSpPr>
+        <p:spPr>
+          <a:xfrm>
+            <a:off x="10139317" y="1809673"/>
+            <a:ext cx="574196" cy="230832"/>
+          </a:xfrm>
+          <a:prstGeom prst="rect">
+            <a:avLst/>
+          </a:prstGeom>
+          <a:noFill/>
+        </p:spPr>
+        <p:txBody>
+          <a:bodyPr wrap="none" rtlCol="0">
+            <a:spAutoFit/>
+          </a:bodyPr>
+          <a:lstStyle/>
+          <a:p>
+            <a:r>
+              <a:rPr lang="en-GB" sz="900" dirty="0">
+                <a:solidFill>
+                  <a:schemeClr val="accent2"/>
+                </a:solidFill>
+              </a:rPr>
+              <a:t>3.2-5.2V</a:t>
+            </a:r>
+          </a:p>
+        </p:txBody>
+      </p:sp>
+      <p:cxnSp>
+        <p:nvCxnSpPr>
+          <p:cNvPr id="18" name="Straight Connector 17">
+            <a:extLst>
+              <a:ext uri="{FF2B5EF4-FFF2-40B4-BE49-F238E27FC236}">
+                <a16:creationId xmlns:a16="http://schemas.microsoft.com/office/drawing/2014/main" id="{BC846722-C789-9AA4-802D-5B2C067C84E0}"/>
+              </a:ext>
+            </a:extLst>
+          </p:cNvPr>
+          <p:cNvCxnSpPr>
+            <a:cxnSpLocks/>
+            <a:endCxn id="19" idx="3"/>
+          </p:cNvCxnSpPr>
+          <p:nvPr/>
+        </p:nvCxnSpPr>
+        <p:spPr>
+          <a:xfrm flipH="1" flipV="1">
+            <a:off x="9343082" y="1015847"/>
+            <a:ext cx="198587" cy="253359"/>
+          </a:xfrm>
+          <a:prstGeom prst="line">
+            <a:avLst/>
+          </a:prstGeom>
+          <a:ln>
+            <a:solidFill>
+              <a:srgbClr val="FF0000"/>
+            </a:solidFill>
+          </a:ln>
+        </p:spPr>
+        <p:style>
+          <a:lnRef idx="1">
+            <a:schemeClr val="accent1"/>
+          </a:lnRef>
+          <a:fillRef idx="0">
+            <a:schemeClr val="accent1"/>
+          </a:fillRef>
+          <a:effectRef idx="0">
+            <a:schemeClr val="accent1"/>
+          </a:effectRef>
+          <a:fontRef idx="minor">
+            <a:schemeClr val="tx1"/>
+          </a:fontRef>
+        </p:style>
+      </p:cxnSp>
+      <p:sp>
+        <p:nvSpPr>
+          <p:cNvPr id="19" name="TextBox 18">
+            <a:extLst>
+              <a:ext uri="{FF2B5EF4-FFF2-40B4-BE49-F238E27FC236}">
+                <a16:creationId xmlns:a16="http://schemas.microsoft.com/office/drawing/2014/main" id="{20C3F58F-B993-8A99-D8CB-A249BCD99A53}"/>
+              </a:ext>
+            </a:extLst>
+          </p:cNvPr>
+          <p:cNvSpPr txBox="1"/>
+          <p:nvPr/>
+        </p:nvSpPr>
+        <p:spPr>
+          <a:xfrm>
+            <a:off x="9036588" y="900431"/>
+            <a:ext cx="306494" cy="230832"/>
+          </a:xfrm>
+          <a:prstGeom prst="rect">
+            <a:avLst/>
+          </a:prstGeom>
+          <a:noFill/>
+        </p:spPr>
+        <p:txBody>
+          <a:bodyPr wrap="none" rtlCol="0">
+            <a:spAutoFit/>
+          </a:bodyPr>
+          <a:lstStyle/>
+          <a:p>
+            <a:r>
+              <a:rPr lang="en-GB" sz="900" dirty="0">
+                <a:solidFill>
+                  <a:schemeClr val="accent2"/>
+                </a:solidFill>
+              </a:rPr>
+              <a:t>RX</a:t>
+            </a:r>
+          </a:p>
+        </p:txBody>
+      </p:sp>
+      <p:sp>
+        <p:nvSpPr>
+          <p:cNvPr id="20" name="TextBox 19">
+            <a:extLst>
+              <a:ext uri="{FF2B5EF4-FFF2-40B4-BE49-F238E27FC236}">
+                <a16:creationId xmlns:a16="http://schemas.microsoft.com/office/drawing/2014/main" id="{F2216943-FE64-EEEE-32F8-FF62F7692CD3}"/>
+              </a:ext>
+            </a:extLst>
+          </p:cNvPr>
+          <p:cNvSpPr txBox="1"/>
+          <p:nvPr/>
+        </p:nvSpPr>
+        <p:spPr>
+          <a:xfrm>
+            <a:off x="10118888" y="1211264"/>
+            <a:ext cx="306494" cy="230832"/>
+          </a:xfrm>
+          <a:prstGeom prst="rect">
+            <a:avLst/>
+          </a:prstGeom>
+          <a:noFill/>
+        </p:spPr>
+        <p:txBody>
+          <a:bodyPr wrap="none" rtlCol="0">
+            <a:spAutoFit/>
+          </a:bodyPr>
+          <a:lstStyle/>
+          <a:p>
+            <a:r>
+              <a:rPr lang="en-GB" sz="900" dirty="0">
+                <a:solidFill>
+                  <a:schemeClr val="accent2"/>
+                </a:solidFill>
+              </a:rPr>
+              <a:t>TX</a:t>
+            </a:r>
+          </a:p>
+        </p:txBody>
+      </p:sp>
+      <p:cxnSp>
+        <p:nvCxnSpPr>
+          <p:cNvPr id="21" name="Straight Connector 20">
+            <a:extLst>
+              <a:ext uri="{FF2B5EF4-FFF2-40B4-BE49-F238E27FC236}">
+                <a16:creationId xmlns:a16="http://schemas.microsoft.com/office/drawing/2014/main" id="{31583FED-0C22-AB0A-EBDD-A043905A1F8A}"/>
+              </a:ext>
+            </a:extLst>
+          </p:cNvPr>
+          <p:cNvCxnSpPr>
+            <a:cxnSpLocks/>
+            <a:stCxn id="20" idx="1"/>
+          </p:cNvCxnSpPr>
+          <p:nvPr/>
+        </p:nvCxnSpPr>
+        <p:spPr>
+          <a:xfrm flipH="1" flipV="1">
+            <a:off x="9684544" y="1264444"/>
+            <a:ext cx="434344" cy="62236"/>
+          </a:xfrm>
+          <a:prstGeom prst="line">
+            <a:avLst/>
+          </a:prstGeom>
+          <a:ln>
+            <a:solidFill>
+              <a:srgbClr val="FF0000"/>
+            </a:solidFill>
+          </a:ln>
+        </p:spPr>
+        <p:style>
+          <a:lnRef idx="1">
+            <a:schemeClr val="accent1"/>
+          </a:lnRef>
+          <a:fillRef idx="0">
+            <a:schemeClr val="accent1"/>
+          </a:fillRef>
+          <a:effectRef idx="0">
+            <a:schemeClr val="accent1"/>
+          </a:effectRef>
+          <a:fontRef idx="minor">
+            <a:schemeClr val="tx1"/>
+          </a:fontRef>
+        </p:style>
+      </p:cxnSp>
+      <p:cxnSp>
+        <p:nvCxnSpPr>
+          <p:cNvPr id="27" name="Straight Connector 26">
+            <a:extLst>
+              <a:ext uri="{FF2B5EF4-FFF2-40B4-BE49-F238E27FC236}">
+                <a16:creationId xmlns:a16="http://schemas.microsoft.com/office/drawing/2014/main" id="{23C9D447-AE41-4C51-897A-EDFD864366CC}"/>
+              </a:ext>
+            </a:extLst>
+          </p:cNvPr>
+          <p:cNvCxnSpPr>
+            <a:cxnSpLocks/>
+          </p:cNvCxnSpPr>
+          <p:nvPr/>
+        </p:nvCxnSpPr>
+        <p:spPr>
+          <a:xfrm flipH="1" flipV="1">
+            <a:off x="9570101" y="934639"/>
+            <a:ext cx="119205" cy="255986"/>
+          </a:xfrm>
+          <a:prstGeom prst="line">
+            <a:avLst/>
+          </a:prstGeom>
+          <a:ln>
+            <a:solidFill>
+              <a:srgbClr val="FF0000"/>
+            </a:solidFill>
+          </a:ln>
+        </p:spPr>
+        <p:style>
+          <a:lnRef idx="1">
+            <a:schemeClr val="accent1"/>
+          </a:lnRef>
+          <a:fillRef idx="0">
+            <a:schemeClr val="accent1"/>
+          </a:fillRef>
+          <a:effectRef idx="0">
+            <a:schemeClr val="accent1"/>
+          </a:effectRef>
+          <a:fontRef idx="minor">
+            <a:schemeClr val="tx1"/>
+          </a:fontRef>
+        </p:style>
+      </p:cxnSp>
+      <p:cxnSp>
+        <p:nvCxnSpPr>
+          <p:cNvPr id="29" name="Straight Connector 28">
+            <a:extLst>
+              <a:ext uri="{FF2B5EF4-FFF2-40B4-BE49-F238E27FC236}">
+                <a16:creationId xmlns:a16="http://schemas.microsoft.com/office/drawing/2014/main" id="{C613A761-E2DF-38D6-4FAE-71C0A0171C1F}"/>
+              </a:ext>
+            </a:extLst>
+          </p:cNvPr>
+          <p:cNvCxnSpPr>
+            <a:cxnSpLocks/>
+          </p:cNvCxnSpPr>
+          <p:nvPr/>
+        </p:nvCxnSpPr>
+        <p:spPr>
+          <a:xfrm>
+            <a:off x="9622631" y="1309688"/>
+            <a:ext cx="599354" cy="594216"/>
+          </a:xfrm>
+          <a:prstGeom prst="line">
+            <a:avLst/>
+          </a:prstGeom>
+          <a:ln>
+            <a:solidFill>
+              <a:srgbClr val="FF0000"/>
+            </a:solidFill>
+          </a:ln>
+        </p:spPr>
+        <p:style>
+          <a:lnRef idx="1">
+            <a:schemeClr val="accent1"/>
+          </a:lnRef>
+          <a:fillRef idx="0">
+            <a:schemeClr val="accent1"/>
+          </a:fillRef>
+          <a:effectRef idx="0">
+            <a:schemeClr val="accent1"/>
+          </a:effectRef>
+          <a:fontRef idx="minor">
+            <a:schemeClr val="tx1"/>
+          </a:fontRef>
+        </p:style>
+      </p:cxnSp>
+      <p:sp>
+        <p:nvSpPr>
+          <p:cNvPr id="32" name="TextBox 31">
+            <a:extLst>
+              <a:ext uri="{FF2B5EF4-FFF2-40B4-BE49-F238E27FC236}">
+                <a16:creationId xmlns:a16="http://schemas.microsoft.com/office/drawing/2014/main" id="{7FF69D46-A14B-552F-19B8-81CE3364AA05}"/>
+              </a:ext>
+            </a:extLst>
+          </p:cNvPr>
+          <p:cNvSpPr txBox="1"/>
+          <p:nvPr/>
+        </p:nvSpPr>
+        <p:spPr>
+          <a:xfrm>
+            <a:off x="9511822" y="1276323"/>
+            <a:ext cx="235962" cy="215444"/>
+          </a:xfrm>
+          <a:prstGeom prst="rect">
+            <a:avLst/>
+          </a:prstGeom>
+          <a:noFill/>
+        </p:spPr>
+        <p:txBody>
+          <a:bodyPr wrap="none" rtlCol="0">
+            <a:spAutoFit/>
+          </a:bodyPr>
+          <a:lstStyle/>
+          <a:p>
+            <a:r>
+              <a:rPr lang="de-DE" sz="800" dirty="0">
+                <a:solidFill>
+                  <a:schemeClr val="bg1"/>
+                </a:solidFill>
+              </a:rPr>
+              <a:t>3</a:t>
+            </a:r>
+            <a:endParaRPr lang="en-GB" sz="800" dirty="0">
+              <a:solidFill>
+                <a:schemeClr val="bg1"/>
+              </a:solidFill>
+            </a:endParaRPr>
+          </a:p>
+        </p:txBody>
+      </p:sp>
+      <p:sp>
+        <p:nvSpPr>
+          <p:cNvPr id="34" name="TextBox 33">
+            <a:extLst>
+              <a:ext uri="{FF2B5EF4-FFF2-40B4-BE49-F238E27FC236}">
+                <a16:creationId xmlns:a16="http://schemas.microsoft.com/office/drawing/2014/main" id="{D3B4A264-77F4-09F0-6C40-720C949677DE}"/>
+              </a:ext>
+            </a:extLst>
+          </p:cNvPr>
+          <p:cNvSpPr txBox="1"/>
+          <p:nvPr/>
+        </p:nvSpPr>
+        <p:spPr>
+          <a:xfrm>
+            <a:off x="9423210" y="1081015"/>
+            <a:ext cx="235962" cy="215444"/>
+          </a:xfrm>
+          <a:prstGeom prst="rect">
+            <a:avLst/>
+          </a:prstGeom>
+          <a:noFill/>
+        </p:spPr>
+        <p:txBody>
+          <a:bodyPr wrap="none" rtlCol="0">
+            <a:spAutoFit/>
+          </a:bodyPr>
+          <a:lstStyle/>
+          <a:p>
+            <a:r>
+              <a:rPr lang="de-DE" sz="800" dirty="0">
+                <a:solidFill>
+                  <a:schemeClr val="bg1"/>
+                </a:solidFill>
+              </a:rPr>
+              <a:t>4</a:t>
+            </a:r>
+            <a:endParaRPr lang="en-GB" sz="800" dirty="0">
+              <a:solidFill>
+                <a:schemeClr val="bg1"/>
+              </a:solidFill>
+            </a:endParaRPr>
+          </a:p>
+        </p:txBody>
+      </p:sp>
+      <p:sp>
+        <p:nvSpPr>
+          <p:cNvPr id="37" name="TextBox 36">
+            <a:extLst>
+              <a:ext uri="{FF2B5EF4-FFF2-40B4-BE49-F238E27FC236}">
+                <a16:creationId xmlns:a16="http://schemas.microsoft.com/office/drawing/2014/main" id="{5BB5132A-60AC-3E3D-3F38-69047DD06C93}"/>
+              </a:ext>
+            </a:extLst>
+          </p:cNvPr>
+          <p:cNvSpPr txBox="1"/>
+          <p:nvPr/>
+        </p:nvSpPr>
+        <p:spPr>
+          <a:xfrm>
+            <a:off x="9423210" y="1073321"/>
+            <a:ext cx="235962" cy="215444"/>
+          </a:xfrm>
+          <a:prstGeom prst="rect">
+            <a:avLst/>
+          </a:prstGeom>
+          <a:noFill/>
+        </p:spPr>
+        <p:txBody>
+          <a:bodyPr wrap="none" rtlCol="0">
+            <a:spAutoFit/>
+          </a:bodyPr>
+          <a:lstStyle/>
+          <a:p>
+            <a:r>
+              <a:rPr lang="de-DE" sz="800" dirty="0">
+                <a:solidFill>
+                  <a:schemeClr val="bg1"/>
+                </a:solidFill>
+              </a:rPr>
+              <a:t>4</a:t>
+            </a:r>
+            <a:endParaRPr lang="en-GB" sz="800" dirty="0">
+              <a:solidFill>
+                <a:schemeClr val="bg1"/>
+              </a:solidFill>
+            </a:endParaRPr>
+          </a:p>
+        </p:txBody>
+      </p:sp>
+      <p:sp>
+        <p:nvSpPr>
+          <p:cNvPr id="41" name="TextBox 40">
+            <a:extLst>
+              <a:ext uri="{FF2B5EF4-FFF2-40B4-BE49-F238E27FC236}">
+                <a16:creationId xmlns:a16="http://schemas.microsoft.com/office/drawing/2014/main" id="{DED79DBE-D2AA-63CE-B152-6164F199C9B6}"/>
+              </a:ext>
+            </a:extLst>
+          </p:cNvPr>
+          <p:cNvSpPr txBox="1"/>
+          <p:nvPr/>
+        </p:nvSpPr>
+        <p:spPr>
+          <a:xfrm>
+            <a:off x="9580656" y="1240002"/>
+            <a:ext cx="235962" cy="215444"/>
+          </a:xfrm>
+          <a:prstGeom prst="rect">
+            <a:avLst/>
+          </a:prstGeom>
+          <a:noFill/>
+        </p:spPr>
+        <p:txBody>
+          <a:bodyPr wrap="none" rtlCol="0">
+            <a:spAutoFit/>
+          </a:bodyPr>
+          <a:lstStyle/>
+          <a:p>
+            <a:r>
+              <a:rPr lang="de-DE" sz="800">
+                <a:solidFill>
+                  <a:schemeClr val="bg1"/>
+                </a:solidFill>
+              </a:rPr>
+              <a:t>5</a:t>
+            </a:r>
+            <a:endParaRPr lang="en-GB" sz="800" dirty="0">
+              <a:solidFill>
+                <a:schemeClr val="bg1"/>
+              </a:solidFill>
+            </a:endParaRPr>
+          </a:p>
+        </p:txBody>
+      </p:sp>
+      <p:sp>
+        <p:nvSpPr>
+          <p:cNvPr id="43" name="TextBox 42">
+            <a:extLst>
+              <a:ext uri="{FF2B5EF4-FFF2-40B4-BE49-F238E27FC236}">
+                <a16:creationId xmlns:a16="http://schemas.microsoft.com/office/drawing/2014/main" id="{4D38E694-4FB3-5175-78B7-6AE629740018}"/>
+              </a:ext>
+            </a:extLst>
+          </p:cNvPr>
+          <p:cNvSpPr txBox="1"/>
+          <p:nvPr/>
+        </p:nvSpPr>
+        <p:spPr>
+          <a:xfrm>
+            <a:off x="9563345" y="1010129"/>
+            <a:ext cx="235962" cy="215444"/>
+          </a:xfrm>
+          <a:prstGeom prst="rect">
+            <a:avLst/>
+          </a:prstGeom>
+          <a:noFill/>
+        </p:spPr>
+        <p:txBody>
+          <a:bodyPr wrap="none" rtlCol="0">
+            <a:spAutoFit/>
+          </a:bodyPr>
+          <a:lstStyle/>
+          <a:p>
+            <a:r>
+              <a:rPr lang="de-DE" sz="800" dirty="0">
+                <a:solidFill>
+                  <a:schemeClr val="bg1"/>
+                </a:solidFill>
+              </a:rPr>
+              <a:t>8</a:t>
+            </a:r>
+            <a:endParaRPr lang="en-GB" sz="800" dirty="0">
+              <a:solidFill>
+                <a:schemeClr val="bg1"/>
+              </a:solidFill>
+            </a:endParaRPr>
+          </a:p>
+        </p:txBody>
+      </p:sp>
+      <p:sp>
+        <p:nvSpPr>
+          <p:cNvPr id="46" name="TextBox 45">
+            <a:extLst>
+              <a:ext uri="{FF2B5EF4-FFF2-40B4-BE49-F238E27FC236}">
+                <a16:creationId xmlns:a16="http://schemas.microsoft.com/office/drawing/2014/main" id="{852E497B-BCF7-DE31-94BB-38F5CE75598F}"/>
+              </a:ext>
+            </a:extLst>
+          </p:cNvPr>
+          <p:cNvSpPr txBox="1"/>
+          <p:nvPr/>
+        </p:nvSpPr>
+        <p:spPr>
+          <a:xfrm>
+            <a:off x="9410098" y="752529"/>
+            <a:ext cx="401072" cy="230832"/>
+          </a:xfrm>
+          <a:prstGeom prst="rect">
+            <a:avLst/>
+          </a:prstGeom>
+          <a:noFill/>
+        </p:spPr>
+        <p:txBody>
+          <a:bodyPr wrap="none" rtlCol="0">
+            <a:spAutoFit/>
+          </a:bodyPr>
+          <a:lstStyle/>
+          <a:p>
+            <a:r>
+              <a:rPr lang="en-GB" sz="900" dirty="0">
+                <a:solidFill>
+                  <a:schemeClr val="accent2"/>
+                </a:solidFill>
+              </a:rPr>
+              <a:t>GND</a:t>
+            </a:r>
+          </a:p>
+        </p:txBody>
+      </p:sp>
+      <p:sp>
+        <p:nvSpPr>
+          <p:cNvPr id="47" name="TextBox 46">
+            <a:extLst>
+              <a:ext uri="{FF2B5EF4-FFF2-40B4-BE49-F238E27FC236}">
+                <a16:creationId xmlns:a16="http://schemas.microsoft.com/office/drawing/2014/main" id="{96518891-C698-9663-B488-B49EE4A27139}"/>
+              </a:ext>
+            </a:extLst>
+          </p:cNvPr>
+          <p:cNvSpPr txBox="1"/>
+          <p:nvPr/>
+        </p:nvSpPr>
+        <p:spPr>
+          <a:xfrm>
+            <a:off x="10387239" y="858513"/>
+            <a:ext cx="527709" cy="230832"/>
+          </a:xfrm>
+          <a:prstGeom prst="rect">
+            <a:avLst/>
+          </a:prstGeom>
+          <a:noFill/>
+        </p:spPr>
+        <p:txBody>
+          <a:bodyPr wrap="none" rtlCol="0">
+            <a:spAutoFit/>
+          </a:bodyPr>
+          <a:lstStyle/>
+          <a:p>
+            <a:r>
+              <a:rPr lang="en-GB" sz="900" dirty="0">
+                <a:solidFill>
+                  <a:schemeClr val="accent2"/>
+                </a:solidFill>
+              </a:rPr>
+              <a:t>Disable</a:t>
+            </a:r>
+          </a:p>
+        </p:txBody>
+      </p:sp>
+      <p:cxnSp>
+        <p:nvCxnSpPr>
+          <p:cNvPr id="48" name="Straight Connector 47">
+            <a:extLst>
+              <a:ext uri="{FF2B5EF4-FFF2-40B4-BE49-F238E27FC236}">
+                <a16:creationId xmlns:a16="http://schemas.microsoft.com/office/drawing/2014/main" id="{C85EC3F9-E709-6824-FCC6-7F5C902745AE}"/>
+              </a:ext>
+            </a:extLst>
+          </p:cNvPr>
+          <p:cNvCxnSpPr>
+            <a:cxnSpLocks/>
+            <a:stCxn id="47" idx="1"/>
+          </p:cNvCxnSpPr>
+          <p:nvPr/>
+        </p:nvCxnSpPr>
+        <p:spPr>
+          <a:xfrm flipH="1">
+            <a:off x="9755981" y="973929"/>
+            <a:ext cx="631258" cy="164309"/>
+          </a:xfrm>
+          <a:prstGeom prst="line">
+            <a:avLst/>
+          </a:prstGeom>
+          <a:ln>
+            <a:solidFill>
+              <a:srgbClr val="FF0000"/>
+            </a:solidFill>
+          </a:ln>
+        </p:spPr>
+        <p:style>
+          <a:lnRef idx="1">
+            <a:schemeClr val="accent1"/>
+          </a:lnRef>
+          <a:fillRef idx="0">
+            <a:schemeClr val="accent1"/>
+          </a:fillRef>
+          <a:effectRef idx="0">
+            <a:schemeClr val="accent1"/>
+          </a:effectRef>
+          <a:fontRef idx="minor">
+            <a:schemeClr val="tx1"/>
+          </a:fontRef>
+        </p:style>
+      </p:cxnSp>
+    </p:spTree>
+    <p:extLst>
+      <p:ext uri="{BB962C8B-B14F-4D97-AF65-F5344CB8AC3E}">
+        <p14:creationId xmlns:p14="http://schemas.microsoft.com/office/powerpoint/2010/main" val="1002419720"/>
+      </p:ext>
+    </p:extLst>
+  </p:cSld>
+  <p:clrMapOvr>
+    <a:masterClrMapping/>
+  </p:clrMapOvr>
+</p:sld>
+</file>
+
 <file path=ppt/theme/theme1.xml><?xml version="1.0" encoding="utf-8"?>
 <a:theme xmlns:a="http://schemas.openxmlformats.org/drawingml/2006/main" name="Office Theme">
   <a:themeElements>

--- a/schematics/Wiring.pptx
+++ b/schematics/Wiring.pptx
@@ -13,6 +13,7 @@
     <p:sldId id="262" r:id="rId7"/>
     <p:sldId id="263" r:id="rId8"/>
     <p:sldId id="264" r:id="rId9"/>
+    <p:sldId id="265" r:id="rId10"/>
   </p:sldIdLst>
   <p:sldSz cx="12192000" cy="6858000"/>
   <p:notesSz cx="6858000" cy="9144000"/>
@@ -268,7 +269,7 @@
           <a:p>
             <a:fld id="{4031BD71-AB75-48A5-9DD3-2C8B92F7C741}" type="datetimeFigureOut">
               <a:rPr lang="de-DE" smtClean="0"/>
-              <a:t>27.06.2022</a:t>
+              <a:t>28.06.2022</a:t>
             </a:fld>
             <a:endParaRPr lang="de-DE"/>
           </a:p>
@@ -468,7 +469,7 @@
           <a:p>
             <a:fld id="{4031BD71-AB75-48A5-9DD3-2C8B92F7C741}" type="datetimeFigureOut">
               <a:rPr lang="de-DE" smtClean="0"/>
-              <a:t>27.06.2022</a:t>
+              <a:t>28.06.2022</a:t>
             </a:fld>
             <a:endParaRPr lang="de-DE"/>
           </a:p>
@@ -678,7 +679,7 @@
           <a:p>
             <a:fld id="{4031BD71-AB75-48A5-9DD3-2C8B92F7C741}" type="datetimeFigureOut">
               <a:rPr lang="de-DE" smtClean="0"/>
-              <a:t>27.06.2022</a:t>
+              <a:t>28.06.2022</a:t>
             </a:fld>
             <a:endParaRPr lang="de-DE"/>
           </a:p>
@@ -878,7 +879,7 @@
           <a:p>
             <a:fld id="{4031BD71-AB75-48A5-9DD3-2C8B92F7C741}" type="datetimeFigureOut">
               <a:rPr lang="de-DE" smtClean="0"/>
-              <a:t>27.06.2022</a:t>
+              <a:t>28.06.2022</a:t>
             </a:fld>
             <a:endParaRPr lang="de-DE"/>
           </a:p>
@@ -1154,7 +1155,7 @@
           <a:p>
             <a:fld id="{4031BD71-AB75-48A5-9DD3-2C8B92F7C741}" type="datetimeFigureOut">
               <a:rPr lang="de-DE" smtClean="0"/>
-              <a:t>27.06.2022</a:t>
+              <a:t>28.06.2022</a:t>
             </a:fld>
             <a:endParaRPr lang="de-DE"/>
           </a:p>
@@ -1422,7 +1423,7 @@
           <a:p>
             <a:fld id="{4031BD71-AB75-48A5-9DD3-2C8B92F7C741}" type="datetimeFigureOut">
               <a:rPr lang="de-DE" smtClean="0"/>
-              <a:t>27.06.2022</a:t>
+              <a:t>28.06.2022</a:t>
             </a:fld>
             <a:endParaRPr lang="de-DE"/>
           </a:p>
@@ -1837,7 +1838,7 @@
           <a:p>
             <a:fld id="{4031BD71-AB75-48A5-9DD3-2C8B92F7C741}" type="datetimeFigureOut">
               <a:rPr lang="de-DE" smtClean="0"/>
-              <a:t>27.06.2022</a:t>
+              <a:t>28.06.2022</a:t>
             </a:fld>
             <a:endParaRPr lang="de-DE"/>
           </a:p>
@@ -1979,7 +1980,7 @@
           <a:p>
             <a:fld id="{4031BD71-AB75-48A5-9DD3-2C8B92F7C741}" type="datetimeFigureOut">
               <a:rPr lang="de-DE" smtClean="0"/>
-              <a:t>27.06.2022</a:t>
+              <a:t>28.06.2022</a:t>
             </a:fld>
             <a:endParaRPr lang="de-DE"/>
           </a:p>
@@ -2092,7 +2093,7 @@
           <a:p>
             <a:fld id="{4031BD71-AB75-48A5-9DD3-2C8B92F7C741}" type="datetimeFigureOut">
               <a:rPr lang="de-DE" smtClean="0"/>
-              <a:t>27.06.2022</a:t>
+              <a:t>28.06.2022</a:t>
             </a:fld>
             <a:endParaRPr lang="de-DE"/>
           </a:p>
@@ -2405,7 +2406,7 @@
           <a:p>
             <a:fld id="{4031BD71-AB75-48A5-9DD3-2C8B92F7C741}" type="datetimeFigureOut">
               <a:rPr lang="de-DE" smtClean="0"/>
-              <a:t>27.06.2022</a:t>
+              <a:t>28.06.2022</a:t>
             </a:fld>
             <a:endParaRPr lang="de-DE"/>
           </a:p>
@@ -2694,7 +2695,7 @@
           <a:p>
             <a:fld id="{4031BD71-AB75-48A5-9DD3-2C8B92F7C741}" type="datetimeFigureOut">
               <a:rPr lang="de-DE" smtClean="0"/>
-              <a:t>27.06.2022</a:t>
+              <a:t>28.06.2022</a:t>
             </a:fld>
             <a:endParaRPr lang="de-DE"/>
           </a:p>
@@ -2937,7 +2938,7 @@
           <a:p>
             <a:fld id="{4031BD71-AB75-48A5-9DD3-2C8B92F7C741}" type="datetimeFigureOut">
               <a:rPr lang="de-DE" smtClean="0"/>
-              <a:t>27.06.2022</a:t>
+              <a:t>28.06.2022</a:t>
             </a:fld>
             <a:endParaRPr lang="de-DE"/>
           </a:p>
@@ -6500,6 +6501,530 @@
 </p:sld>
 </file>
 
+<file path=ppt/slides/slide9.xml><?xml version="1.0" encoding="utf-8"?>
+<p:sld xmlns:a="http://schemas.openxmlformats.org/drawingml/2006/main" xmlns:r="http://schemas.openxmlformats.org/officeDocument/2006/relationships" xmlns:p="http://schemas.openxmlformats.org/presentationml/2006/main">
+  <p:cSld>
+    <p:spTree>
+      <p:nvGrpSpPr>
+        <p:cNvPr id="1" name=""/>
+        <p:cNvGrpSpPr/>
+        <p:nvPr/>
+      </p:nvGrpSpPr>
+      <p:grpSpPr>
+        <a:xfrm>
+          <a:off x="0" y="0"/>
+          <a:ext cx="0" cy="0"/>
+          <a:chOff x="0" y="0"/>
+          <a:chExt cx="0" cy="0"/>
+        </a:xfrm>
+      </p:grpSpPr>
+      <p:sp>
+        <p:nvSpPr>
+          <p:cNvPr id="4" name="AutoShape 2" descr="Image from Android">
+            <a:extLst>
+              <a:ext uri="{FF2B5EF4-FFF2-40B4-BE49-F238E27FC236}">
+                <a16:creationId xmlns:a16="http://schemas.microsoft.com/office/drawing/2014/main" id="{243641AD-8C0B-709F-E664-4A5C7DDAB77B}"/>
+              </a:ext>
+            </a:extLst>
+          </p:cNvPr>
+          <p:cNvSpPr>
+            <a:spLocks noChangeAspect="1" noChangeArrowheads="1"/>
+          </p:cNvSpPr>
+          <p:nvPr/>
+        </p:nvSpPr>
+        <p:spPr bwMode="auto">
+          <a:xfrm>
+            <a:off x="5943600" y="3276600"/>
+            <a:ext cx="304800" cy="304800"/>
+          </a:xfrm>
+          <a:prstGeom prst="rect">
+            <a:avLst/>
+          </a:prstGeom>
+          <a:noFill/>
+          <a:extLst>
+            <a:ext uri="{909E8E84-426E-40DD-AFC4-6F175D3DCCD1}">
+              <a14:hiddenFill xmlns:a14="http://schemas.microsoft.com/office/drawing/2010/main">
+                <a:solidFill>
+                  <a:srgbClr val="FFFFFF"/>
+                </a:solidFill>
+              </a14:hiddenFill>
+            </a:ext>
+          </a:extLst>
+        </p:spPr>
+        <p:txBody>
+          <a:bodyPr vert="horz" wrap="square" lIns="91440" tIns="45720" rIns="91440" bIns="45720" numCol="1" anchor="t" anchorCtr="0" compatLnSpc="1">
+            <a:prstTxWarp prst="textNoShape">
+              <a:avLst/>
+            </a:prstTxWarp>
+          </a:bodyPr>
+          <a:lstStyle/>
+          <a:p>
+            <a:endParaRPr lang="en-GB"/>
+          </a:p>
+        </p:txBody>
+      </p:sp>
+      <p:sp>
+        <p:nvSpPr>
+          <p:cNvPr id="5" name="AutoShape 4" descr="Image from Android">
+            <a:extLst>
+              <a:ext uri="{FF2B5EF4-FFF2-40B4-BE49-F238E27FC236}">
+                <a16:creationId xmlns:a16="http://schemas.microsoft.com/office/drawing/2014/main" id="{F4A4E10F-ED8D-732E-F572-5D4C17544158}"/>
+              </a:ext>
+            </a:extLst>
+          </p:cNvPr>
+          <p:cNvSpPr>
+            <a:spLocks noChangeAspect="1" noChangeArrowheads="1"/>
+          </p:cNvSpPr>
+          <p:nvPr/>
+        </p:nvSpPr>
+        <p:spPr bwMode="auto">
+          <a:xfrm>
+            <a:off x="6096000" y="3429000"/>
+            <a:ext cx="304800" cy="304800"/>
+          </a:xfrm>
+          <a:prstGeom prst="rect">
+            <a:avLst/>
+          </a:prstGeom>
+          <a:noFill/>
+          <a:extLst>
+            <a:ext uri="{909E8E84-426E-40DD-AFC4-6F175D3DCCD1}">
+              <a14:hiddenFill xmlns:a14="http://schemas.microsoft.com/office/drawing/2010/main">
+                <a:solidFill>
+                  <a:srgbClr val="FFFFFF"/>
+                </a:solidFill>
+              </a14:hiddenFill>
+            </a:ext>
+          </a:extLst>
+        </p:spPr>
+        <p:txBody>
+          <a:bodyPr vert="horz" wrap="square" lIns="91440" tIns="45720" rIns="91440" bIns="45720" numCol="1" anchor="t" anchorCtr="0" compatLnSpc="1">
+            <a:prstTxWarp prst="textNoShape">
+              <a:avLst/>
+            </a:prstTxWarp>
+          </a:bodyPr>
+          <a:lstStyle/>
+          <a:p>
+            <a:endParaRPr lang="en-GB"/>
+          </a:p>
+        </p:txBody>
+      </p:sp>
+      <p:pic>
+        <p:nvPicPr>
+          <p:cNvPr id="12" name="Picture 11">
+            <a:extLst>
+              <a:ext uri="{FF2B5EF4-FFF2-40B4-BE49-F238E27FC236}">
+                <a16:creationId xmlns:a16="http://schemas.microsoft.com/office/drawing/2014/main" id="{B5FE22A6-4040-216B-98B4-83CBBFFC8A7E}"/>
+              </a:ext>
+            </a:extLst>
+          </p:cNvPr>
+          <p:cNvPicPr>
+            <a:picLocks noChangeAspect="1"/>
+          </p:cNvPicPr>
+          <p:nvPr/>
+        </p:nvPicPr>
+        <p:blipFill rotWithShape="1">
+          <a:blip r:embed="rId2"/>
+          <a:srcRect l="36992" t="40482" r="31484" b="33576"/>
+          <a:stretch/>
+        </p:blipFill>
+        <p:spPr>
+          <a:xfrm>
+            <a:off x="306835" y="3429000"/>
+            <a:ext cx="3843337" cy="1323976"/>
+          </a:xfrm>
+          <a:prstGeom prst="rect">
+            <a:avLst/>
+          </a:prstGeom>
+        </p:spPr>
+      </p:pic>
+      <p:pic>
+        <p:nvPicPr>
+          <p:cNvPr id="14" name="Picture 13">
+            <a:extLst>
+              <a:ext uri="{FF2B5EF4-FFF2-40B4-BE49-F238E27FC236}">
+                <a16:creationId xmlns:a16="http://schemas.microsoft.com/office/drawing/2014/main" id="{D846BB70-CA0A-EAC0-F2B9-42FC0D3F962E}"/>
+              </a:ext>
+            </a:extLst>
+          </p:cNvPr>
+          <p:cNvPicPr>
+            <a:picLocks noChangeAspect="1"/>
+          </p:cNvPicPr>
+          <p:nvPr/>
+        </p:nvPicPr>
+        <p:blipFill>
+          <a:blip r:embed="rId3"/>
+          <a:stretch>
+            <a:fillRect/>
+          </a:stretch>
+        </p:blipFill>
+        <p:spPr>
+          <a:xfrm>
+            <a:off x="5943600" y="703962"/>
+            <a:ext cx="5669280" cy="5625400"/>
+          </a:xfrm>
+          <a:prstGeom prst="rect">
+            <a:avLst/>
+          </a:prstGeom>
+        </p:spPr>
+      </p:pic>
+      <p:sp>
+        <p:nvSpPr>
+          <p:cNvPr id="15" name="Rectangle 14">
+            <a:extLst>
+              <a:ext uri="{FF2B5EF4-FFF2-40B4-BE49-F238E27FC236}">
+                <a16:creationId xmlns:a16="http://schemas.microsoft.com/office/drawing/2014/main" id="{B9D8D83F-7928-4715-DE84-42D5B056758C}"/>
+              </a:ext>
+            </a:extLst>
+          </p:cNvPr>
+          <p:cNvSpPr/>
+          <p:nvPr/>
+        </p:nvSpPr>
+        <p:spPr>
+          <a:xfrm>
+            <a:off x="4183513" y="3501556"/>
+            <a:ext cx="1650776" cy="1171576"/>
+          </a:xfrm>
+          <a:prstGeom prst="rect">
+            <a:avLst/>
+          </a:prstGeom>
+          <a:noFill/>
+          <a:ln>
+            <a:solidFill>
+              <a:schemeClr val="tx1"/>
+            </a:solidFill>
+          </a:ln>
+        </p:spPr>
+        <p:style>
+          <a:lnRef idx="2">
+            <a:schemeClr val="accent1">
+              <a:shade val="50000"/>
+            </a:schemeClr>
+          </a:lnRef>
+          <a:fillRef idx="1">
+            <a:schemeClr val="accent1"/>
+          </a:fillRef>
+          <a:effectRef idx="0">
+            <a:schemeClr val="accent1"/>
+          </a:effectRef>
+          <a:fontRef idx="minor">
+            <a:schemeClr val="lt1"/>
+          </a:fontRef>
+        </p:style>
+        <p:txBody>
+          <a:bodyPr rtlCol="0" anchor="ctr"/>
+          <a:lstStyle/>
+          <a:p>
+            <a:pPr algn="ctr"/>
+            <a:endParaRPr lang="en-GB"/>
+          </a:p>
+        </p:txBody>
+      </p:sp>
+      <p:cxnSp>
+        <p:nvCxnSpPr>
+          <p:cNvPr id="18" name="Straight Connector 17">
+            <a:extLst>
+              <a:ext uri="{FF2B5EF4-FFF2-40B4-BE49-F238E27FC236}">
+                <a16:creationId xmlns:a16="http://schemas.microsoft.com/office/drawing/2014/main" id="{DC4F3347-F8C2-5483-14EC-BE6A80A4D23F}"/>
+              </a:ext>
+            </a:extLst>
+          </p:cNvPr>
+          <p:cNvCxnSpPr>
+            <a:cxnSpLocks/>
+          </p:cNvCxnSpPr>
+          <p:nvPr/>
+        </p:nvCxnSpPr>
+        <p:spPr>
+          <a:xfrm>
+            <a:off x="3652838" y="4295775"/>
+            <a:ext cx="561975" cy="261938"/>
+          </a:xfrm>
+          <a:prstGeom prst="line">
+            <a:avLst/>
+          </a:prstGeom>
+        </p:spPr>
+        <p:style>
+          <a:lnRef idx="1">
+            <a:schemeClr val="accent1"/>
+          </a:lnRef>
+          <a:fillRef idx="0">
+            <a:schemeClr val="accent1"/>
+          </a:fillRef>
+          <a:effectRef idx="0">
+            <a:schemeClr val="accent1"/>
+          </a:effectRef>
+          <a:fontRef idx="minor">
+            <a:schemeClr val="tx1"/>
+          </a:fontRef>
+        </p:style>
+      </p:cxnSp>
+      <p:cxnSp>
+        <p:nvCxnSpPr>
+          <p:cNvPr id="19" name="Straight Connector 18">
+            <a:extLst>
+              <a:ext uri="{FF2B5EF4-FFF2-40B4-BE49-F238E27FC236}">
+                <a16:creationId xmlns:a16="http://schemas.microsoft.com/office/drawing/2014/main" id="{C2183BE6-6E5F-A22C-FF06-E00F1B0DA7B3}"/>
+              </a:ext>
+            </a:extLst>
+          </p:cNvPr>
+          <p:cNvCxnSpPr>
+            <a:cxnSpLocks/>
+          </p:cNvCxnSpPr>
+          <p:nvPr/>
+        </p:nvCxnSpPr>
+        <p:spPr>
+          <a:xfrm>
+            <a:off x="3652838" y="4185457"/>
+            <a:ext cx="566737" cy="162706"/>
+          </a:xfrm>
+          <a:prstGeom prst="line">
+            <a:avLst/>
+          </a:prstGeom>
+        </p:spPr>
+        <p:style>
+          <a:lnRef idx="1">
+            <a:schemeClr val="accent1"/>
+          </a:lnRef>
+          <a:fillRef idx="0">
+            <a:schemeClr val="accent1"/>
+          </a:fillRef>
+          <a:effectRef idx="0">
+            <a:schemeClr val="accent1"/>
+          </a:effectRef>
+          <a:fontRef idx="minor">
+            <a:schemeClr val="tx1"/>
+          </a:fontRef>
+        </p:style>
+      </p:cxnSp>
+      <p:cxnSp>
+        <p:nvCxnSpPr>
+          <p:cNvPr id="22" name="Straight Connector 21">
+            <a:extLst>
+              <a:ext uri="{FF2B5EF4-FFF2-40B4-BE49-F238E27FC236}">
+                <a16:creationId xmlns:a16="http://schemas.microsoft.com/office/drawing/2014/main" id="{7A538C22-469E-A7FC-FC6A-F355D573E1D3}"/>
+              </a:ext>
+            </a:extLst>
+          </p:cNvPr>
+          <p:cNvCxnSpPr>
+            <a:cxnSpLocks/>
+          </p:cNvCxnSpPr>
+          <p:nvPr/>
+        </p:nvCxnSpPr>
+        <p:spPr>
+          <a:xfrm>
+            <a:off x="3652838" y="4091100"/>
+            <a:ext cx="581025" cy="85613"/>
+          </a:xfrm>
+          <a:prstGeom prst="line">
+            <a:avLst/>
+          </a:prstGeom>
+        </p:spPr>
+        <p:style>
+          <a:lnRef idx="1">
+            <a:schemeClr val="accent1"/>
+          </a:lnRef>
+          <a:fillRef idx="0">
+            <a:schemeClr val="accent1"/>
+          </a:fillRef>
+          <a:effectRef idx="0">
+            <a:schemeClr val="accent1"/>
+          </a:effectRef>
+          <a:fontRef idx="minor">
+            <a:schemeClr val="tx1"/>
+          </a:fontRef>
+        </p:style>
+      </p:cxnSp>
+      <p:cxnSp>
+        <p:nvCxnSpPr>
+          <p:cNvPr id="25" name="Straight Connector 24">
+            <a:extLst>
+              <a:ext uri="{FF2B5EF4-FFF2-40B4-BE49-F238E27FC236}">
+                <a16:creationId xmlns:a16="http://schemas.microsoft.com/office/drawing/2014/main" id="{ECE7A3D0-08AE-36A0-66C5-96CBA834281E}"/>
+              </a:ext>
+            </a:extLst>
+          </p:cNvPr>
+          <p:cNvCxnSpPr>
+            <a:cxnSpLocks/>
+          </p:cNvCxnSpPr>
+          <p:nvPr/>
+        </p:nvCxnSpPr>
+        <p:spPr>
+          <a:xfrm>
+            <a:off x="3652838" y="4005263"/>
+            <a:ext cx="604837" cy="0"/>
+          </a:xfrm>
+          <a:prstGeom prst="line">
+            <a:avLst/>
+          </a:prstGeom>
+        </p:spPr>
+        <p:style>
+          <a:lnRef idx="1">
+            <a:schemeClr val="accent1"/>
+          </a:lnRef>
+          <a:fillRef idx="0">
+            <a:schemeClr val="accent1"/>
+          </a:fillRef>
+          <a:effectRef idx="0">
+            <a:schemeClr val="accent1"/>
+          </a:effectRef>
+          <a:fontRef idx="minor">
+            <a:schemeClr val="tx1"/>
+          </a:fontRef>
+        </p:style>
+      </p:cxnSp>
+      <p:cxnSp>
+        <p:nvCxnSpPr>
+          <p:cNvPr id="29" name="Straight Connector 28">
+            <a:extLst>
+              <a:ext uri="{FF2B5EF4-FFF2-40B4-BE49-F238E27FC236}">
+                <a16:creationId xmlns:a16="http://schemas.microsoft.com/office/drawing/2014/main" id="{48B4CE0F-9838-52D1-4FEF-874F072826DD}"/>
+              </a:ext>
+            </a:extLst>
+          </p:cNvPr>
+          <p:cNvCxnSpPr>
+            <a:cxnSpLocks/>
+          </p:cNvCxnSpPr>
+          <p:nvPr/>
+        </p:nvCxnSpPr>
+        <p:spPr>
+          <a:xfrm flipV="1">
+            <a:off x="3652838" y="3810000"/>
+            <a:ext cx="557212" cy="104775"/>
+          </a:xfrm>
+          <a:prstGeom prst="line">
+            <a:avLst/>
+          </a:prstGeom>
+        </p:spPr>
+        <p:style>
+          <a:lnRef idx="1">
+            <a:schemeClr val="accent1"/>
+          </a:lnRef>
+          <a:fillRef idx="0">
+            <a:schemeClr val="accent1"/>
+          </a:fillRef>
+          <a:effectRef idx="0">
+            <a:schemeClr val="accent1"/>
+          </a:effectRef>
+          <a:fontRef idx="minor">
+            <a:schemeClr val="tx1"/>
+          </a:fontRef>
+        </p:style>
+      </p:cxnSp>
+      <p:sp>
+        <p:nvSpPr>
+          <p:cNvPr id="32" name="TextBox 31">
+            <a:extLst>
+              <a:ext uri="{FF2B5EF4-FFF2-40B4-BE49-F238E27FC236}">
+                <a16:creationId xmlns:a16="http://schemas.microsoft.com/office/drawing/2014/main" id="{C020CD00-DF24-9552-C9EE-6A0C9DA25648}"/>
+              </a:ext>
+            </a:extLst>
+          </p:cNvPr>
+          <p:cNvSpPr txBox="1"/>
+          <p:nvPr/>
+        </p:nvSpPr>
+        <p:spPr>
+          <a:xfrm>
+            <a:off x="4150173" y="3492812"/>
+            <a:ext cx="1803176" cy="1384995"/>
+          </a:xfrm>
+          <a:prstGeom prst="rect">
+            <a:avLst/>
+          </a:prstGeom>
+          <a:noFill/>
+        </p:spPr>
+        <p:txBody>
+          <a:bodyPr wrap="square" rtlCol="0">
+            <a:spAutoFit/>
+          </a:bodyPr>
+          <a:lstStyle/>
+          <a:p>
+            <a:pPr>
+              <a:tabLst>
+                <a:tab pos="447675" algn="l"/>
+              </a:tabLst>
+            </a:pPr>
+            <a:r>
+              <a:rPr lang="de-DE" sz="1200" b="1" dirty="0"/>
+              <a:t>IMU 	PIN	Function</a:t>
+            </a:r>
+          </a:p>
+          <a:p>
+            <a:pPr>
+              <a:tabLst>
+                <a:tab pos="447675" algn="l"/>
+              </a:tabLst>
+            </a:pPr>
+            <a:r>
+              <a:rPr lang="de-DE" sz="1200" dirty="0"/>
+              <a:t>10	5	Disable</a:t>
+            </a:r>
+          </a:p>
+          <a:p>
+            <a:pPr>
+              <a:tabLst>
+                <a:tab pos="447675" algn="l"/>
+              </a:tabLst>
+            </a:pPr>
+            <a:r>
+              <a:rPr lang="de-DE" sz="1200" dirty="0"/>
+              <a:t>8	4	GND</a:t>
+            </a:r>
+          </a:p>
+          <a:p>
+            <a:pPr>
+              <a:tabLst>
+                <a:tab pos="447675" algn="l"/>
+              </a:tabLst>
+            </a:pPr>
+            <a:r>
+              <a:rPr lang="de-DE" sz="1200" dirty="0"/>
+              <a:t>5	3	TxD</a:t>
+            </a:r>
+          </a:p>
+          <a:p>
+            <a:pPr>
+              <a:tabLst>
+                <a:tab pos="447675" algn="l"/>
+              </a:tabLst>
+            </a:pPr>
+            <a:r>
+              <a:rPr lang="de-DE" sz="1200" dirty="0"/>
+              <a:t>4	2	RxD</a:t>
+            </a:r>
+          </a:p>
+          <a:p>
+            <a:pPr>
+              <a:tabLst>
+                <a:tab pos="447675" algn="l"/>
+              </a:tabLst>
+            </a:pPr>
+            <a:r>
+              <a:rPr lang="de-DE" sz="1200" dirty="0"/>
+              <a:t>3	1	Vin</a:t>
+            </a:r>
+          </a:p>
+          <a:p>
+            <a:pPr>
+              <a:tabLst>
+                <a:tab pos="447675" algn="l"/>
+              </a:tabLst>
+            </a:pPr>
+            <a:endParaRPr lang="de-DE" sz="1200" dirty="0"/>
+          </a:p>
+        </p:txBody>
+      </p:sp>
+    </p:spTree>
+    <p:extLst>
+      <p:ext uri="{BB962C8B-B14F-4D97-AF65-F5344CB8AC3E}">
+        <p14:creationId xmlns:p14="http://schemas.microsoft.com/office/powerpoint/2010/main" val="2268514250"/>
+      </p:ext>
+    </p:extLst>
+  </p:cSld>
+  <p:clrMapOvr>
+    <a:masterClrMapping/>
+  </p:clrMapOvr>
+</p:sld>
+</file>
+
 <file path=ppt/theme/theme1.xml><?xml version="1.0" encoding="utf-8"?>
 <a:theme xmlns:a="http://schemas.openxmlformats.org/drawingml/2006/main" name="Office Theme">
   <a:themeElements>

--- a/schematics/Wiring.pptx
+++ b/schematics/Wiring.pptx
@@ -269,7 +269,7 @@
           <a:p>
             <a:fld id="{4031BD71-AB75-48A5-9DD3-2C8B92F7C741}" type="datetimeFigureOut">
               <a:rPr lang="de-DE" smtClean="0"/>
-              <a:t>28.06.2022</a:t>
+              <a:t>07.07.2022</a:t>
             </a:fld>
             <a:endParaRPr lang="de-DE"/>
           </a:p>
@@ -469,7 +469,7 @@
           <a:p>
             <a:fld id="{4031BD71-AB75-48A5-9DD3-2C8B92F7C741}" type="datetimeFigureOut">
               <a:rPr lang="de-DE" smtClean="0"/>
-              <a:t>28.06.2022</a:t>
+              <a:t>07.07.2022</a:t>
             </a:fld>
             <a:endParaRPr lang="de-DE"/>
           </a:p>
@@ -679,7 +679,7 @@
           <a:p>
             <a:fld id="{4031BD71-AB75-48A5-9DD3-2C8B92F7C741}" type="datetimeFigureOut">
               <a:rPr lang="de-DE" smtClean="0"/>
-              <a:t>28.06.2022</a:t>
+              <a:t>07.07.2022</a:t>
             </a:fld>
             <a:endParaRPr lang="de-DE"/>
           </a:p>
@@ -879,7 +879,7 @@
           <a:p>
             <a:fld id="{4031BD71-AB75-48A5-9DD3-2C8B92F7C741}" type="datetimeFigureOut">
               <a:rPr lang="de-DE" smtClean="0"/>
-              <a:t>28.06.2022</a:t>
+              <a:t>07.07.2022</a:t>
             </a:fld>
             <a:endParaRPr lang="de-DE"/>
           </a:p>
@@ -1155,7 +1155,7 @@
           <a:p>
             <a:fld id="{4031BD71-AB75-48A5-9DD3-2C8B92F7C741}" type="datetimeFigureOut">
               <a:rPr lang="de-DE" smtClean="0"/>
-              <a:t>28.06.2022</a:t>
+              <a:t>07.07.2022</a:t>
             </a:fld>
             <a:endParaRPr lang="de-DE"/>
           </a:p>
@@ -1423,7 +1423,7 @@
           <a:p>
             <a:fld id="{4031BD71-AB75-48A5-9DD3-2C8B92F7C741}" type="datetimeFigureOut">
               <a:rPr lang="de-DE" smtClean="0"/>
-              <a:t>28.06.2022</a:t>
+              <a:t>07.07.2022</a:t>
             </a:fld>
             <a:endParaRPr lang="de-DE"/>
           </a:p>
@@ -1838,7 +1838,7 @@
           <a:p>
             <a:fld id="{4031BD71-AB75-48A5-9DD3-2C8B92F7C741}" type="datetimeFigureOut">
               <a:rPr lang="de-DE" smtClean="0"/>
-              <a:t>28.06.2022</a:t>
+              <a:t>07.07.2022</a:t>
             </a:fld>
             <a:endParaRPr lang="de-DE"/>
           </a:p>
@@ -1980,7 +1980,7 @@
           <a:p>
             <a:fld id="{4031BD71-AB75-48A5-9DD3-2C8B92F7C741}" type="datetimeFigureOut">
               <a:rPr lang="de-DE" smtClean="0"/>
-              <a:t>28.06.2022</a:t>
+              <a:t>07.07.2022</a:t>
             </a:fld>
             <a:endParaRPr lang="de-DE"/>
           </a:p>
@@ -2093,7 +2093,7 @@
           <a:p>
             <a:fld id="{4031BD71-AB75-48A5-9DD3-2C8B92F7C741}" type="datetimeFigureOut">
               <a:rPr lang="de-DE" smtClean="0"/>
-              <a:t>28.06.2022</a:t>
+              <a:t>07.07.2022</a:t>
             </a:fld>
             <a:endParaRPr lang="de-DE"/>
           </a:p>
@@ -2406,7 +2406,7 @@
           <a:p>
             <a:fld id="{4031BD71-AB75-48A5-9DD3-2C8B92F7C741}" type="datetimeFigureOut">
               <a:rPr lang="de-DE" smtClean="0"/>
-              <a:t>28.06.2022</a:t>
+              <a:t>07.07.2022</a:t>
             </a:fld>
             <a:endParaRPr lang="de-DE"/>
           </a:p>
@@ -2695,7 +2695,7 @@
           <a:p>
             <a:fld id="{4031BD71-AB75-48A5-9DD3-2C8B92F7C741}" type="datetimeFigureOut">
               <a:rPr lang="de-DE" smtClean="0"/>
-              <a:t>28.06.2022</a:t>
+              <a:t>07.07.2022</a:t>
             </a:fld>
             <a:endParaRPr lang="de-DE"/>
           </a:p>
@@ -2938,7 +2938,7 @@
           <a:p>
             <a:fld id="{4031BD71-AB75-48A5-9DD3-2C8B92F7C741}" type="datetimeFigureOut">
               <a:rPr lang="de-DE" smtClean="0"/>
-              <a:t>28.06.2022</a:t>
+              <a:t>07.07.2022</a:t>
             </a:fld>
             <a:endParaRPr lang="de-DE"/>
           </a:p>
@@ -6924,7 +6924,7 @@
         <p:spPr>
           <a:xfrm>
             <a:off x="4150173" y="3492812"/>
-            <a:ext cx="1803176" cy="1384995"/>
+            <a:ext cx="3044954" cy="1200329"/>
           </a:xfrm>
           <a:prstGeom prst="rect">
             <a:avLst/>
@@ -6944,7 +6944,7 @@
             </a:pPr>
             <a:r>
               <a:rPr lang="de-DE" sz="1200" b="1" dirty="0"/>
-              <a:t>IMU 	PIN	Function</a:t>
+              <a:t>IMU 	PIN	Function	Teensy</a:t>
             </a:r>
           </a:p>
           <a:p>
@@ -6955,7 +6955,7 @@
             </a:pPr>
             <a:r>
               <a:rPr lang="de-DE" sz="1200" dirty="0"/>
-              <a:t>10	5	Disable</a:t>
+              <a:t>10	5	Disable	32</a:t>
             </a:r>
           </a:p>
           <a:p>
@@ -6966,7 +6966,7 @@
             </a:pPr>
             <a:r>
               <a:rPr lang="de-DE" sz="1200" dirty="0"/>
-              <a:t>8	4	GND</a:t>
+              <a:t>8	4	GND	GND</a:t>
             </a:r>
           </a:p>
           <a:p>
@@ -6977,7 +6977,7 @@
             </a:pPr>
             <a:r>
               <a:rPr lang="de-DE" sz="1200" dirty="0"/>
-              <a:t>5	3	TxD</a:t>
+              <a:t>5	3	TxD	RX7</a:t>
             </a:r>
           </a:p>
           <a:p>
@@ -6988,7 +6988,7 @@
             </a:pPr>
             <a:r>
               <a:rPr lang="de-DE" sz="1200" dirty="0"/>
-              <a:t>4	2	RxD</a:t>
+              <a:t>4	2	RxD	TX7</a:t>
             </a:r>
           </a:p>
           <a:p>
@@ -6999,15 +6999,12 @@
             </a:pPr>
             <a:r>
               <a:rPr lang="de-DE" sz="1200" dirty="0"/>
-              <a:t>3	1	Vin</a:t>
-            </a:r>
-          </a:p>
-          <a:p>
-            <a:pPr>
-              <a:tabLst>
-                <a:tab pos="447675" algn="l"/>
-              </a:tabLst>
-            </a:pPr>
+              <a:t>3	1</a:t>
+            </a:r>
+            <a:r>
+              <a:rPr lang="de-DE" sz="1200"/>
+              <a:t>	Vin	3.3V</a:t>
+            </a:r>
             <a:endParaRPr lang="de-DE" sz="1200" dirty="0"/>
           </a:p>
         </p:txBody>

--- a/schematics/Wiring.pptx
+++ b/schematics/Wiring.pptx
@@ -14,6 +14,7 @@
     <p:sldId id="263" r:id="rId8"/>
     <p:sldId id="264" r:id="rId9"/>
     <p:sldId id="265" r:id="rId10"/>
+    <p:sldId id="266" r:id="rId11"/>
   </p:sldIdLst>
   <p:sldSz cx="12192000" cy="6858000"/>
   <p:notesSz cx="6858000" cy="9144000"/>
@@ -3796,6 +3797,99 @@
 </p:sld>
 </file>
 
+<file path=ppt/slides/slide10.xml><?xml version="1.0" encoding="utf-8"?>
+<p:sld xmlns:a="http://schemas.openxmlformats.org/drawingml/2006/main" xmlns:r="http://schemas.openxmlformats.org/officeDocument/2006/relationships" xmlns:p="http://schemas.openxmlformats.org/presentationml/2006/main">
+  <p:cSld>
+    <p:spTree>
+      <p:nvGrpSpPr>
+        <p:cNvPr id="1" name=""/>
+        <p:cNvGrpSpPr/>
+        <p:nvPr/>
+      </p:nvGrpSpPr>
+      <p:grpSpPr>
+        <a:xfrm>
+          <a:off x="0" y="0"/>
+          <a:ext cx="0" cy="0"/>
+          <a:chOff x="0" y="0"/>
+          <a:chExt cx="0" cy="0"/>
+        </a:xfrm>
+      </p:grpSpPr>
+      <p:pic>
+        <p:nvPicPr>
+          <p:cNvPr id="5" name="Picture 4">
+            <a:extLst>
+              <a:ext uri="{FF2B5EF4-FFF2-40B4-BE49-F238E27FC236}">
+                <a16:creationId xmlns:a16="http://schemas.microsoft.com/office/drawing/2014/main" id="{FBD61117-79C6-E882-C567-80209B70651D}"/>
+              </a:ext>
+            </a:extLst>
+          </p:cNvPr>
+          <p:cNvPicPr>
+            <a:picLocks noChangeAspect="1"/>
+          </p:cNvPicPr>
+          <p:nvPr/>
+        </p:nvPicPr>
+        <p:blipFill>
+          <a:blip r:embed="rId2">
+            <a:extLst>
+              <a:ext uri="{BEBA8EAE-BF5A-486C-A8C5-ECC9F3942E4B}">
+                <a14:imgProps xmlns:a14="http://schemas.microsoft.com/office/drawing/2010/main">
+                  <a14:imgLayer r:embed="rId3">
+                    <a14:imgEffect>
+                      <a14:backgroundRemoval t="5626" b="92241" l="9994" r="96755">
+                        <a14:foregroundMark x1="20247" y1="22308" x2="34004" y2="20466"/>
+                        <a14:foregroundMark x1="34004" y1="20466" x2="71382" y2="8244"/>
+                        <a14:foregroundMark x1="71382" y1="8244" x2="79169" y2="11348"/>
+                        <a14:foregroundMark x1="79169" y1="11348" x2="88384" y2="25897"/>
+                        <a14:foregroundMark x1="88384" y1="25897" x2="90591" y2="34821"/>
+                        <a14:foregroundMark x1="90591" y1="34821" x2="34783" y2="51309"/>
+                        <a14:foregroundMark x1="34783" y1="51309" x2="29786" y2="47818"/>
+                        <a14:foregroundMark x1="29786" y1="47818" x2="16872" y2="31232"/>
+                        <a14:foregroundMark x1="16872" y1="31232" x2="16677" y2="24733"/>
+                        <a14:foregroundMark x1="94225" y1="74200" x2="94419" y2="36275"/>
+                        <a14:foregroundMark x1="94419" y1="36275" x2="80857" y2="8923"/>
+                        <a14:foregroundMark x1="80857" y1="8923" x2="75990" y2="5626"/>
+                        <a14:foregroundMark x1="75990" y1="5626" x2="70863" y2="5626"/>
+                        <a14:foregroundMark x1="70863" y1="5626" x2="69630" y2="6208"/>
+                        <a14:foregroundMark x1="15120" y1="24151" x2="15055" y2="39185"/>
+                        <a14:foregroundMark x1="31862" y1="92241" x2="41726" y2="91465"/>
+                        <a14:foregroundMark x1="95652" y1="74200" x2="95847" y2="38215"/>
+                        <a14:foregroundMark x1="95847" y1="38215" x2="93316" y2="30844"/>
+                        <a14:foregroundMark x1="93316" y1="30844" x2="92732" y2="30262"/>
+                        <a14:foregroundMark x1="96755" y1="38894" x2="96755" y2="38215"/>
+                      </a14:backgroundRemoval>
+                    </a14:imgEffect>
+                  </a14:imgLayer>
+                </a14:imgProps>
+              </a:ext>
+            </a:extLst>
+          </a:blip>
+          <a:stretch>
+            <a:fillRect/>
+          </a:stretch>
+        </p:blipFill>
+        <p:spPr>
+          <a:xfrm>
+            <a:off x="970792" y="0"/>
+            <a:ext cx="10250415" cy="6858000"/>
+          </a:xfrm>
+          <a:prstGeom prst="rect">
+            <a:avLst/>
+          </a:prstGeom>
+        </p:spPr>
+      </p:pic>
+    </p:spTree>
+    <p:extLst>
+      <p:ext uri="{BB962C8B-B14F-4D97-AF65-F5344CB8AC3E}">
+        <p14:creationId xmlns:p14="http://schemas.microsoft.com/office/powerpoint/2010/main" val="1951690207"/>
+      </p:ext>
+    </p:extLst>
+  </p:cSld>
+  <p:clrMapOvr>
+    <a:masterClrMapping/>
+  </p:clrMapOvr>
+</p:sld>
+</file>
+
 <file path=ppt/slides/slide2.xml><?xml version="1.0" encoding="utf-8"?>
 <p:sld xmlns:a="http://schemas.openxmlformats.org/drawingml/2006/main" xmlns:r="http://schemas.openxmlformats.org/officeDocument/2006/relationships" xmlns:p="http://schemas.openxmlformats.org/presentationml/2006/main">
   <p:cSld>
@@ -6535,7 +6629,7 @@
         <p:spPr bwMode="auto">
           <a:xfrm>
             <a:off x="5943600" y="3276600"/>
-            <a:ext cx="304800" cy="304800"/>
+            <a:ext cx="271744" cy="304800"/>
           </a:xfrm>
           <a:prstGeom prst="rect">
             <a:avLst/>
@@ -6580,7 +6674,7 @@
         <p:spPr bwMode="auto">
           <a:xfrm>
             <a:off x="6096000" y="3429000"/>
-            <a:ext cx="304800" cy="304800"/>
+            <a:ext cx="271744" cy="304800"/>
           </a:xfrm>
           <a:prstGeom prst="rect">
             <a:avLst/>
@@ -6659,7 +6753,7 @@
         </p:blipFill>
         <p:spPr>
           <a:xfrm>
-            <a:off x="5943600" y="703962"/>
+            <a:off x="6645565" y="688856"/>
             <a:ext cx="5669280" cy="5625400"/>
           </a:xfrm>
           <a:prstGeom prst="rect">
@@ -6682,7 +6776,7 @@
         <p:spPr>
           <a:xfrm>
             <a:off x="4183513" y="3501556"/>
-            <a:ext cx="1650776" cy="1171576"/>
+            <a:ext cx="2429724" cy="1171576"/>
           </a:xfrm>
           <a:prstGeom prst="rect">
             <a:avLst/>
@@ -6923,7 +7017,7 @@
         </p:nvSpPr>
         <p:spPr>
           <a:xfrm>
-            <a:off x="4150173" y="3492812"/>
+            <a:off x="4151185" y="3481027"/>
             <a:ext cx="3044954" cy="1200329"/>
           </a:xfrm>
           <a:prstGeom prst="rect">
@@ -6999,13 +7093,8 @@
             </a:pPr>
             <a:r>
               <a:rPr lang="de-DE" sz="1200" dirty="0"/>
-              <a:t>3	1</a:t>
-            </a:r>
-            <a:r>
-              <a:rPr lang="de-DE" sz="1200"/>
-              <a:t>	Vin	3.3V</a:t>
-            </a:r>
-            <a:endParaRPr lang="de-DE" sz="1200" dirty="0"/>
+              <a:t>3	1	Vin	3.3V</a:t>
+            </a:r>
           </a:p>
         </p:txBody>
       </p:sp>

--- a/schematics/Wiring.pptx
+++ b/schematics/Wiring.pptx
@@ -14,7 +14,8 @@
     <p:sldId id="263" r:id="rId8"/>
     <p:sldId id="264" r:id="rId9"/>
     <p:sldId id="265" r:id="rId10"/>
-    <p:sldId id="266" r:id="rId11"/>
+    <p:sldId id="267" r:id="rId11"/>
+    <p:sldId id="266" r:id="rId12"/>
   </p:sldIdLst>
   <p:sldSz cx="12192000" cy="6858000"/>
   <p:notesSz cx="6858000" cy="9144000"/>
@@ -270,7 +271,7 @@
           <a:p>
             <a:fld id="{4031BD71-AB75-48A5-9DD3-2C8B92F7C741}" type="datetimeFigureOut">
               <a:rPr lang="de-DE" smtClean="0"/>
-              <a:t>07.07.2022</a:t>
+              <a:t>15.07.2022</a:t>
             </a:fld>
             <a:endParaRPr lang="de-DE"/>
           </a:p>
@@ -470,7 +471,7 @@
           <a:p>
             <a:fld id="{4031BD71-AB75-48A5-9DD3-2C8B92F7C741}" type="datetimeFigureOut">
               <a:rPr lang="de-DE" smtClean="0"/>
-              <a:t>07.07.2022</a:t>
+              <a:t>15.07.2022</a:t>
             </a:fld>
             <a:endParaRPr lang="de-DE"/>
           </a:p>
@@ -680,7 +681,7 @@
           <a:p>
             <a:fld id="{4031BD71-AB75-48A5-9DD3-2C8B92F7C741}" type="datetimeFigureOut">
               <a:rPr lang="de-DE" smtClean="0"/>
-              <a:t>07.07.2022</a:t>
+              <a:t>15.07.2022</a:t>
             </a:fld>
             <a:endParaRPr lang="de-DE"/>
           </a:p>
@@ -880,7 +881,7 @@
           <a:p>
             <a:fld id="{4031BD71-AB75-48A5-9DD3-2C8B92F7C741}" type="datetimeFigureOut">
               <a:rPr lang="de-DE" smtClean="0"/>
-              <a:t>07.07.2022</a:t>
+              <a:t>15.07.2022</a:t>
             </a:fld>
             <a:endParaRPr lang="de-DE"/>
           </a:p>
@@ -1156,7 +1157,7 @@
           <a:p>
             <a:fld id="{4031BD71-AB75-48A5-9DD3-2C8B92F7C741}" type="datetimeFigureOut">
               <a:rPr lang="de-DE" smtClean="0"/>
-              <a:t>07.07.2022</a:t>
+              <a:t>15.07.2022</a:t>
             </a:fld>
             <a:endParaRPr lang="de-DE"/>
           </a:p>
@@ -1424,7 +1425,7 @@
           <a:p>
             <a:fld id="{4031BD71-AB75-48A5-9DD3-2C8B92F7C741}" type="datetimeFigureOut">
               <a:rPr lang="de-DE" smtClean="0"/>
-              <a:t>07.07.2022</a:t>
+              <a:t>15.07.2022</a:t>
             </a:fld>
             <a:endParaRPr lang="de-DE"/>
           </a:p>
@@ -1839,7 +1840,7 @@
           <a:p>
             <a:fld id="{4031BD71-AB75-48A5-9DD3-2C8B92F7C741}" type="datetimeFigureOut">
               <a:rPr lang="de-DE" smtClean="0"/>
-              <a:t>07.07.2022</a:t>
+              <a:t>15.07.2022</a:t>
             </a:fld>
             <a:endParaRPr lang="de-DE"/>
           </a:p>
@@ -1981,7 +1982,7 @@
           <a:p>
             <a:fld id="{4031BD71-AB75-48A5-9DD3-2C8B92F7C741}" type="datetimeFigureOut">
               <a:rPr lang="de-DE" smtClean="0"/>
-              <a:t>07.07.2022</a:t>
+              <a:t>15.07.2022</a:t>
             </a:fld>
             <a:endParaRPr lang="de-DE"/>
           </a:p>
@@ -2094,7 +2095,7 @@
           <a:p>
             <a:fld id="{4031BD71-AB75-48A5-9DD3-2C8B92F7C741}" type="datetimeFigureOut">
               <a:rPr lang="de-DE" smtClean="0"/>
-              <a:t>07.07.2022</a:t>
+              <a:t>15.07.2022</a:t>
             </a:fld>
             <a:endParaRPr lang="de-DE"/>
           </a:p>
@@ -2407,7 +2408,7 @@
           <a:p>
             <a:fld id="{4031BD71-AB75-48A5-9DD3-2C8B92F7C741}" type="datetimeFigureOut">
               <a:rPr lang="de-DE" smtClean="0"/>
-              <a:t>07.07.2022</a:t>
+              <a:t>15.07.2022</a:t>
             </a:fld>
             <a:endParaRPr lang="de-DE"/>
           </a:p>
@@ -2696,7 +2697,7 @@
           <a:p>
             <a:fld id="{4031BD71-AB75-48A5-9DD3-2C8B92F7C741}" type="datetimeFigureOut">
               <a:rPr lang="de-DE" smtClean="0"/>
-              <a:t>07.07.2022</a:t>
+              <a:t>15.07.2022</a:t>
             </a:fld>
             <a:endParaRPr lang="de-DE"/>
           </a:p>
@@ -2939,7 +2940,7 @@
           <a:p>
             <a:fld id="{4031BD71-AB75-48A5-9DD3-2C8B92F7C741}" type="datetimeFigureOut">
               <a:rPr lang="de-DE" smtClean="0"/>
-              <a:t>07.07.2022</a:t>
+              <a:t>15.07.2022</a:t>
             </a:fld>
             <a:endParaRPr lang="de-DE"/>
           </a:p>
@@ -3819,6 +3820,66 @@
           <p:cNvPr id="5" name="Picture 4">
             <a:extLst>
               <a:ext uri="{FF2B5EF4-FFF2-40B4-BE49-F238E27FC236}">
+                <a16:creationId xmlns:a16="http://schemas.microsoft.com/office/drawing/2014/main" id="{5E98C005-1ADA-1270-7861-46901D94966D}"/>
+              </a:ext>
+            </a:extLst>
+          </p:cNvPr>
+          <p:cNvPicPr>
+            <a:picLocks noChangeAspect="1"/>
+          </p:cNvPicPr>
+          <p:nvPr/>
+        </p:nvPicPr>
+        <p:blipFill>
+          <a:blip r:embed="rId2"/>
+          <a:stretch>
+            <a:fillRect/>
+          </a:stretch>
+        </p:blipFill>
+        <p:spPr>
+          <a:xfrm>
+            <a:off x="1219809" y="14714"/>
+            <a:ext cx="9752381" cy="6828571"/>
+          </a:xfrm>
+          <a:prstGeom prst="rect">
+            <a:avLst/>
+          </a:prstGeom>
+        </p:spPr>
+      </p:pic>
+    </p:spTree>
+    <p:extLst>
+      <p:ext uri="{BB962C8B-B14F-4D97-AF65-F5344CB8AC3E}">
+        <p14:creationId xmlns:p14="http://schemas.microsoft.com/office/powerpoint/2010/main" val="2003648931"/>
+      </p:ext>
+    </p:extLst>
+  </p:cSld>
+  <p:clrMapOvr>
+    <a:masterClrMapping/>
+  </p:clrMapOvr>
+</p:sld>
+</file>
+
+<file path=ppt/slides/slide11.xml><?xml version="1.0" encoding="utf-8"?>
+<p:sld xmlns:a="http://schemas.openxmlformats.org/drawingml/2006/main" xmlns:r="http://schemas.openxmlformats.org/officeDocument/2006/relationships" xmlns:p="http://schemas.openxmlformats.org/presentationml/2006/main">
+  <p:cSld>
+    <p:spTree>
+      <p:nvGrpSpPr>
+        <p:cNvPr id="1" name=""/>
+        <p:cNvGrpSpPr/>
+        <p:nvPr/>
+      </p:nvGrpSpPr>
+      <p:grpSpPr>
+        <a:xfrm>
+          <a:off x="0" y="0"/>
+          <a:ext cx="0" cy="0"/>
+          <a:chOff x="0" y="0"/>
+          <a:chExt cx="0" cy="0"/>
+        </a:xfrm>
+      </p:grpSpPr>
+      <p:pic>
+        <p:nvPicPr>
+          <p:cNvPr id="5" name="Picture 4">
+            <a:extLst>
+              <a:ext uri="{FF2B5EF4-FFF2-40B4-BE49-F238E27FC236}">
                 <a16:creationId xmlns:a16="http://schemas.microsoft.com/office/drawing/2014/main" id="{FBD61117-79C6-E882-C567-80209B70651D}"/>
               </a:ext>
             </a:extLst>
@@ -7018,7 +7079,7 @@
         <p:spPr>
           <a:xfrm>
             <a:off x="4151185" y="3481027"/>
-            <a:ext cx="3044954" cy="1200329"/>
+            <a:ext cx="2494380" cy="1200329"/>
           </a:xfrm>
           <a:prstGeom prst="rect">
             <a:avLst/>

--- a/schematics/Wiring.pptx
+++ b/schematics/Wiring.pptx
@@ -3815,36 +3815,497 @@
           <a:chExt cx="0" cy="0"/>
         </a:xfrm>
       </p:grpSpPr>
-      <p:pic>
-        <p:nvPicPr>
-          <p:cNvPr id="5" name="Picture 4">
-            <a:extLst>
-              <a:ext uri="{FF2B5EF4-FFF2-40B4-BE49-F238E27FC236}">
-                <a16:creationId xmlns:a16="http://schemas.microsoft.com/office/drawing/2014/main" id="{5E98C005-1ADA-1270-7861-46901D94966D}"/>
-              </a:ext>
-            </a:extLst>
-          </p:cNvPr>
-          <p:cNvPicPr>
-            <a:picLocks noChangeAspect="1"/>
-          </p:cNvPicPr>
+      <p:grpSp>
+        <p:nvGrpSpPr>
+          <p:cNvPr id="24" name="Group 23">
+            <a:extLst>
+              <a:ext uri="{FF2B5EF4-FFF2-40B4-BE49-F238E27FC236}">
+                <a16:creationId xmlns:a16="http://schemas.microsoft.com/office/drawing/2014/main" id="{B4B0C853-EC7D-959A-9462-37E016B87C8B}"/>
+              </a:ext>
+            </a:extLst>
+          </p:cNvPr>
+          <p:cNvGrpSpPr/>
           <p:nvPr/>
-        </p:nvPicPr>
-        <p:blipFill>
-          <a:blip r:embed="rId2"/>
-          <a:stretch>
-            <a:fillRect/>
-          </a:stretch>
-        </p:blipFill>
-        <p:spPr>
-          <a:xfrm>
-            <a:off x="1219809" y="14714"/>
-            <a:ext cx="9752381" cy="6828571"/>
-          </a:xfrm>
-          <a:prstGeom prst="rect">
-            <a:avLst/>
-          </a:prstGeom>
-        </p:spPr>
-      </p:pic>
+        </p:nvGrpSpPr>
+        <p:grpSpPr>
+          <a:xfrm>
+            <a:off x="1046602" y="228603"/>
+            <a:ext cx="9716648" cy="5279832"/>
+            <a:chOff x="1046602" y="228603"/>
+            <a:chExt cx="9716648" cy="5279832"/>
+          </a:xfrm>
+        </p:grpSpPr>
+        <p:pic>
+          <p:nvPicPr>
+            <p:cNvPr id="5" name="Picture 4">
+              <a:extLst>
+                <a:ext uri="{FF2B5EF4-FFF2-40B4-BE49-F238E27FC236}">
+                  <a16:creationId xmlns:a16="http://schemas.microsoft.com/office/drawing/2014/main" id="{5E98C005-1ADA-1270-7861-46901D94966D}"/>
+                </a:ext>
+              </a:extLst>
+            </p:cNvPr>
+            <p:cNvPicPr>
+              <a:picLocks noChangeAspect="1"/>
+            </p:cNvPicPr>
+            <p:nvPr/>
+          </p:nvPicPr>
+          <p:blipFill rotWithShape="1">
+            <a:blip r:embed="rId2">
+              <a:extLst>
+                <a:ext uri="{BEBA8EAE-BF5A-486C-A8C5-ECC9F3942E4B}">
+                  <a14:imgProps xmlns:a14="http://schemas.microsoft.com/office/drawing/2010/main">
+                    <a14:imgLayer r:embed="rId3">
+                      <a14:imgEffect>
+                        <a14:brightnessContrast bright="20000" contrast="-46000"/>
+                      </a14:imgEffect>
+                    </a14:imgLayer>
+                  </a14:imgProps>
+                </a:ext>
+              </a:extLst>
+            </a:blip>
+            <a:srcRect l="2143" b="30053"/>
+            <a:stretch/>
+          </p:blipFill>
+          <p:spPr>
+            <a:xfrm>
+              <a:off x="1219810" y="442244"/>
+              <a:ext cx="9543440" cy="4776361"/>
+            </a:xfrm>
+            <a:prstGeom prst="rect">
+              <a:avLst/>
+            </a:prstGeom>
+          </p:spPr>
+        </p:pic>
+        <p:sp>
+          <p:nvSpPr>
+            <p:cNvPr id="13" name="Rectangle 12">
+              <a:extLst>
+                <a:ext uri="{FF2B5EF4-FFF2-40B4-BE49-F238E27FC236}">
+                  <a16:creationId xmlns:a16="http://schemas.microsoft.com/office/drawing/2014/main" id="{212FAF2A-34B1-E808-077C-CDB662D9B8C8}"/>
+                </a:ext>
+              </a:extLst>
+            </p:cNvPr>
+            <p:cNvSpPr/>
+            <p:nvPr/>
+          </p:nvSpPr>
+          <p:spPr>
+            <a:xfrm>
+              <a:off x="1046602" y="228603"/>
+              <a:ext cx="2655065" cy="5279832"/>
+            </a:xfrm>
+            <a:prstGeom prst="rect">
+              <a:avLst/>
+            </a:prstGeom>
+            <a:solidFill>
+              <a:schemeClr val="bg1"/>
+            </a:solidFill>
+            <a:ln>
+              <a:noFill/>
+            </a:ln>
+          </p:spPr>
+          <p:style>
+            <a:lnRef idx="2">
+              <a:schemeClr val="accent1">
+                <a:shade val="50000"/>
+              </a:schemeClr>
+            </a:lnRef>
+            <a:fillRef idx="1">
+              <a:schemeClr val="accent1"/>
+            </a:fillRef>
+            <a:effectRef idx="0">
+              <a:schemeClr val="accent1"/>
+            </a:effectRef>
+            <a:fontRef idx="minor">
+              <a:schemeClr val="lt1"/>
+            </a:fontRef>
+          </p:style>
+          <p:txBody>
+            <a:bodyPr rtlCol="0" anchor="ctr"/>
+            <a:lstStyle/>
+            <a:p>
+              <a:pPr algn="ctr"/>
+              <a:endParaRPr lang="en-GB"/>
+            </a:p>
+          </p:txBody>
+        </p:sp>
+        <p:cxnSp>
+          <p:nvCxnSpPr>
+            <p:cNvPr id="9" name="Straight Arrow Connector 8">
+              <a:extLst>
+                <a:ext uri="{FF2B5EF4-FFF2-40B4-BE49-F238E27FC236}">
+                  <a16:creationId xmlns:a16="http://schemas.microsoft.com/office/drawing/2014/main" id="{3141903F-15D4-4C12-5247-F19E595E60E1}"/>
+                </a:ext>
+              </a:extLst>
+            </p:cNvPr>
+            <p:cNvCxnSpPr>
+              <a:cxnSpLocks/>
+            </p:cNvCxnSpPr>
+            <p:nvPr/>
+          </p:nvCxnSpPr>
+          <p:spPr>
+            <a:xfrm>
+              <a:off x="2897437" y="1916936"/>
+              <a:ext cx="1200838" cy="0"/>
+            </a:xfrm>
+            <a:prstGeom prst="straightConnector1">
+              <a:avLst/>
+            </a:prstGeom>
+            <a:ln w="57150">
+              <a:solidFill>
+                <a:schemeClr val="tx1"/>
+              </a:solidFill>
+              <a:tailEnd type="triangle"/>
+            </a:ln>
+          </p:spPr>
+          <p:style>
+            <a:lnRef idx="1">
+              <a:schemeClr val="accent1"/>
+            </a:lnRef>
+            <a:fillRef idx="0">
+              <a:schemeClr val="accent1"/>
+            </a:fillRef>
+            <a:effectRef idx="0">
+              <a:schemeClr val="accent1"/>
+            </a:effectRef>
+            <a:fontRef idx="minor">
+              <a:schemeClr val="tx1"/>
+            </a:fontRef>
+          </p:style>
+        </p:cxnSp>
+        <p:sp>
+          <p:nvSpPr>
+            <p:cNvPr id="6" name="TextBox 5">
+              <a:extLst>
+                <a:ext uri="{FF2B5EF4-FFF2-40B4-BE49-F238E27FC236}">
+                  <a16:creationId xmlns:a16="http://schemas.microsoft.com/office/drawing/2014/main" id="{442EA21F-6D9A-D1A4-FA34-2685D3CE3A18}"/>
+                </a:ext>
+              </a:extLst>
+            </p:cNvPr>
+            <p:cNvSpPr txBox="1"/>
+            <p:nvPr/>
+          </p:nvSpPr>
+          <p:spPr>
+            <a:xfrm>
+              <a:off x="1543027" y="1732270"/>
+              <a:ext cx="1354410" cy="369332"/>
+            </a:xfrm>
+            <a:prstGeom prst="rect">
+              <a:avLst/>
+            </a:prstGeom>
+            <a:noFill/>
+          </p:spPr>
+          <p:txBody>
+            <a:bodyPr wrap="none" rtlCol="0">
+              <a:spAutoFit/>
+            </a:bodyPr>
+            <a:lstStyle/>
+            <a:p>
+              <a:r>
+                <a:rPr lang="de-DE" dirty="0"/>
+                <a:t>Acceleration</a:t>
+              </a:r>
+              <a:endParaRPr lang="en-GB" dirty="0"/>
+            </a:p>
+          </p:txBody>
+        </p:sp>
+        <p:cxnSp>
+          <p:nvCxnSpPr>
+            <p:cNvPr id="14" name="Straight Arrow Connector 13">
+              <a:extLst>
+                <a:ext uri="{FF2B5EF4-FFF2-40B4-BE49-F238E27FC236}">
+                  <a16:creationId xmlns:a16="http://schemas.microsoft.com/office/drawing/2014/main" id="{F18AE683-64C9-B5D8-05FA-71ED7B7AD598}"/>
+                </a:ext>
+              </a:extLst>
+            </p:cNvPr>
+            <p:cNvCxnSpPr>
+              <a:cxnSpLocks/>
+            </p:cNvCxnSpPr>
+            <p:nvPr/>
+          </p:nvCxnSpPr>
+          <p:spPr>
+            <a:xfrm flipV="1">
+              <a:off x="2724150" y="3810000"/>
+              <a:ext cx="4267200" cy="200025"/>
+            </a:xfrm>
+            <a:prstGeom prst="straightConnector1">
+              <a:avLst/>
+            </a:prstGeom>
+            <a:ln w="57150">
+              <a:solidFill>
+                <a:schemeClr val="tx1"/>
+              </a:solidFill>
+              <a:headEnd type="none" w="med" len="med"/>
+              <a:tailEnd type="triangle" w="med" len="med"/>
+            </a:ln>
+          </p:spPr>
+          <p:style>
+            <a:lnRef idx="1">
+              <a:schemeClr val="accent1"/>
+            </a:lnRef>
+            <a:fillRef idx="0">
+              <a:schemeClr val="accent1"/>
+            </a:fillRef>
+            <a:effectRef idx="0">
+              <a:schemeClr val="accent1"/>
+            </a:effectRef>
+            <a:fontRef idx="minor">
+              <a:schemeClr val="tx1"/>
+            </a:fontRef>
+          </p:style>
+        </p:cxnSp>
+        <p:sp>
+          <p:nvSpPr>
+            <p:cNvPr id="7" name="TextBox 6">
+              <a:extLst>
+                <a:ext uri="{FF2B5EF4-FFF2-40B4-BE49-F238E27FC236}">
+                  <a16:creationId xmlns:a16="http://schemas.microsoft.com/office/drawing/2014/main" id="{46897555-9599-DCDC-BCFF-3C4492EA5BB4}"/>
+                </a:ext>
+              </a:extLst>
+            </p:cNvPr>
+            <p:cNvSpPr txBox="1"/>
+            <p:nvPr/>
+          </p:nvSpPr>
+          <p:spPr>
+            <a:xfrm>
+              <a:off x="2007950" y="3800475"/>
+              <a:ext cx="629596" cy="369332"/>
+            </a:xfrm>
+            <a:prstGeom prst="rect">
+              <a:avLst/>
+            </a:prstGeom>
+            <a:noFill/>
+          </p:spPr>
+          <p:txBody>
+            <a:bodyPr wrap="none" rtlCol="0">
+              <a:spAutoFit/>
+            </a:bodyPr>
+            <a:lstStyle/>
+            <a:p>
+              <a:r>
+                <a:rPr lang="de-DE" dirty="0"/>
+                <a:t>Gyro</a:t>
+              </a:r>
+              <a:endParaRPr lang="en-GB" dirty="0"/>
+            </a:p>
+          </p:txBody>
+        </p:sp>
+        <p:sp>
+          <p:nvSpPr>
+            <p:cNvPr id="20" name="Rectangle 19">
+              <a:extLst>
+                <a:ext uri="{FF2B5EF4-FFF2-40B4-BE49-F238E27FC236}">
+                  <a16:creationId xmlns:a16="http://schemas.microsoft.com/office/drawing/2014/main" id="{68678D32-C76C-4760-8841-D5D954BAF9CA}"/>
+                </a:ext>
+              </a:extLst>
+            </p:cNvPr>
+            <p:cNvSpPr/>
+            <p:nvPr/>
+          </p:nvSpPr>
+          <p:spPr>
+            <a:xfrm>
+              <a:off x="7018227" y="881349"/>
+              <a:ext cx="3411648" cy="4627085"/>
+            </a:xfrm>
+            <a:prstGeom prst="rect">
+              <a:avLst/>
+            </a:prstGeom>
+            <a:solidFill>
+              <a:schemeClr val="bg1"/>
+            </a:solidFill>
+            <a:ln>
+              <a:noFill/>
+            </a:ln>
+          </p:spPr>
+          <p:style>
+            <a:lnRef idx="2">
+              <a:schemeClr val="accent1">
+                <a:shade val="50000"/>
+              </a:schemeClr>
+            </a:lnRef>
+            <a:fillRef idx="1">
+              <a:schemeClr val="accent1"/>
+            </a:fillRef>
+            <a:effectRef idx="0">
+              <a:schemeClr val="accent1"/>
+            </a:effectRef>
+            <a:fontRef idx="minor">
+              <a:schemeClr val="lt1"/>
+            </a:fontRef>
+          </p:style>
+          <p:txBody>
+            <a:bodyPr rtlCol="0" anchor="ctr"/>
+            <a:lstStyle/>
+            <a:p>
+              <a:pPr algn="ctr"/>
+              <a:endParaRPr lang="en-GB"/>
+            </a:p>
+          </p:txBody>
+        </p:sp>
+        <p:cxnSp>
+          <p:nvCxnSpPr>
+            <p:cNvPr id="19" name="Straight Arrow Connector 18">
+              <a:extLst>
+                <a:ext uri="{FF2B5EF4-FFF2-40B4-BE49-F238E27FC236}">
+                  <a16:creationId xmlns:a16="http://schemas.microsoft.com/office/drawing/2014/main" id="{FECFE316-9346-7852-692D-7C3E3D390F08}"/>
+                </a:ext>
+              </a:extLst>
+            </p:cNvPr>
+            <p:cNvCxnSpPr>
+              <a:cxnSpLocks/>
+            </p:cNvCxnSpPr>
+            <p:nvPr/>
+          </p:nvCxnSpPr>
+          <p:spPr>
+            <a:xfrm>
+              <a:off x="6991350" y="2094488"/>
+              <a:ext cx="1200838" cy="0"/>
+            </a:xfrm>
+            <a:prstGeom prst="straightConnector1">
+              <a:avLst/>
+            </a:prstGeom>
+            <a:ln w="57150">
+              <a:solidFill>
+                <a:schemeClr val="tx1"/>
+              </a:solidFill>
+              <a:tailEnd type="triangle"/>
+            </a:ln>
+          </p:spPr>
+          <p:style>
+            <a:lnRef idx="1">
+              <a:schemeClr val="accent1"/>
+            </a:lnRef>
+            <a:fillRef idx="0">
+              <a:schemeClr val="accent1"/>
+            </a:fillRef>
+            <a:effectRef idx="0">
+              <a:schemeClr val="accent1"/>
+            </a:effectRef>
+            <a:fontRef idx="minor">
+              <a:schemeClr val="tx1"/>
+            </a:fontRef>
+          </p:style>
+        </p:cxnSp>
+        <p:sp>
+          <p:nvSpPr>
+            <p:cNvPr id="18" name="TextBox 17">
+              <a:extLst>
+                <a:ext uri="{FF2B5EF4-FFF2-40B4-BE49-F238E27FC236}">
+                  <a16:creationId xmlns:a16="http://schemas.microsoft.com/office/drawing/2014/main" id="{6F714332-D2DF-49C5-EB68-D9CB3984961A}"/>
+                </a:ext>
+              </a:extLst>
+            </p:cNvPr>
+            <p:cNvSpPr txBox="1"/>
+            <p:nvPr/>
+          </p:nvSpPr>
+          <p:spPr>
+            <a:xfrm>
+              <a:off x="8372452" y="1916936"/>
+              <a:ext cx="716863" cy="369332"/>
+            </a:xfrm>
+            <a:prstGeom prst="rect">
+              <a:avLst/>
+            </a:prstGeom>
+            <a:solidFill>
+              <a:schemeClr val="bg1"/>
+            </a:solidFill>
+          </p:spPr>
+          <p:txBody>
+            <a:bodyPr wrap="none" rtlCol="0">
+              <a:spAutoFit/>
+            </a:bodyPr>
+            <a:lstStyle/>
+            <a:p>
+              <a:r>
+                <a:rPr lang="de-DE" dirty="0"/>
+                <a:t>Angle</a:t>
+              </a:r>
+              <a:endParaRPr lang="en-GB" dirty="0"/>
+            </a:p>
+          </p:txBody>
+        </p:sp>
+        <p:cxnSp>
+          <p:nvCxnSpPr>
+            <p:cNvPr id="21" name="Straight Arrow Connector 20">
+              <a:extLst>
+                <a:ext uri="{FF2B5EF4-FFF2-40B4-BE49-F238E27FC236}">
+                  <a16:creationId xmlns:a16="http://schemas.microsoft.com/office/drawing/2014/main" id="{C0BC24EA-09C0-C7B4-26D6-79C7B9421BDA}"/>
+                </a:ext>
+              </a:extLst>
+            </p:cNvPr>
+            <p:cNvCxnSpPr>
+              <a:cxnSpLocks/>
+            </p:cNvCxnSpPr>
+            <p:nvPr/>
+          </p:nvCxnSpPr>
+          <p:spPr>
+            <a:xfrm>
+              <a:off x="6991350" y="3812411"/>
+              <a:ext cx="1200838" cy="0"/>
+            </a:xfrm>
+            <a:prstGeom prst="straightConnector1">
+              <a:avLst/>
+            </a:prstGeom>
+            <a:ln w="57150">
+              <a:solidFill>
+                <a:schemeClr val="tx1"/>
+              </a:solidFill>
+              <a:tailEnd type="triangle"/>
+            </a:ln>
+          </p:spPr>
+          <p:style>
+            <a:lnRef idx="1">
+              <a:schemeClr val="accent1"/>
+            </a:lnRef>
+            <a:fillRef idx="0">
+              <a:schemeClr val="accent1"/>
+            </a:fillRef>
+            <a:effectRef idx="0">
+              <a:schemeClr val="accent1"/>
+            </a:effectRef>
+            <a:fontRef idx="minor">
+              <a:schemeClr val="tx1"/>
+            </a:fontRef>
+          </p:style>
+        </p:cxnSp>
+        <p:sp>
+          <p:nvSpPr>
+            <p:cNvPr id="22" name="TextBox 21">
+              <a:extLst>
+                <a:ext uri="{FF2B5EF4-FFF2-40B4-BE49-F238E27FC236}">
+                  <a16:creationId xmlns:a16="http://schemas.microsoft.com/office/drawing/2014/main" id="{A45ED450-97EE-241A-F897-C9BEE95A47FE}"/>
+                </a:ext>
+              </a:extLst>
+            </p:cNvPr>
+            <p:cNvSpPr txBox="1"/>
+            <p:nvPr/>
+          </p:nvSpPr>
+          <p:spPr>
+            <a:xfrm>
+              <a:off x="8372452" y="3634859"/>
+              <a:ext cx="1390317" cy="369332"/>
+            </a:xfrm>
+            <a:prstGeom prst="rect">
+              <a:avLst/>
+            </a:prstGeom>
+            <a:solidFill>
+              <a:schemeClr val="bg1"/>
+            </a:solidFill>
+          </p:spPr>
+          <p:txBody>
+            <a:bodyPr wrap="none" rtlCol="0">
+              <a:spAutoFit/>
+            </a:bodyPr>
+            <a:lstStyle/>
+            <a:p>
+              <a:r>
+                <a:rPr lang="de-DE" dirty="0"/>
+                <a:t>Angular Rate</a:t>
+              </a:r>
+              <a:endParaRPr lang="en-GB" dirty="0"/>
+            </a:p>
+          </p:txBody>
+        </p:sp>
+      </p:grpSp>
     </p:spTree>
     <p:extLst>
       <p:ext uri="{BB962C8B-B14F-4D97-AF65-F5344CB8AC3E}">

--- a/schematics/Wiring.pptx
+++ b/schematics/Wiring.pptx
@@ -16,6 +16,7 @@
     <p:sldId id="265" r:id="rId10"/>
     <p:sldId id="267" r:id="rId11"/>
     <p:sldId id="266" r:id="rId12"/>
+    <p:sldId id="268" r:id="rId13"/>
   </p:sldIdLst>
   <p:sldSz cx="12192000" cy="6858000"/>
   <p:notesSz cx="6858000" cy="9144000"/>
@@ -271,7 +272,7 @@
           <a:p>
             <a:fld id="{4031BD71-AB75-48A5-9DD3-2C8B92F7C741}" type="datetimeFigureOut">
               <a:rPr lang="de-DE" smtClean="0"/>
-              <a:t>15.07.2022</a:t>
+              <a:t>18.07.2022</a:t>
             </a:fld>
             <a:endParaRPr lang="de-DE"/>
           </a:p>
@@ -471,7 +472,7 @@
           <a:p>
             <a:fld id="{4031BD71-AB75-48A5-9DD3-2C8B92F7C741}" type="datetimeFigureOut">
               <a:rPr lang="de-DE" smtClean="0"/>
-              <a:t>15.07.2022</a:t>
+              <a:t>18.07.2022</a:t>
             </a:fld>
             <a:endParaRPr lang="de-DE"/>
           </a:p>
@@ -681,7 +682,7 @@
           <a:p>
             <a:fld id="{4031BD71-AB75-48A5-9DD3-2C8B92F7C741}" type="datetimeFigureOut">
               <a:rPr lang="de-DE" smtClean="0"/>
-              <a:t>15.07.2022</a:t>
+              <a:t>18.07.2022</a:t>
             </a:fld>
             <a:endParaRPr lang="de-DE"/>
           </a:p>
@@ -881,7 +882,7 @@
           <a:p>
             <a:fld id="{4031BD71-AB75-48A5-9DD3-2C8B92F7C741}" type="datetimeFigureOut">
               <a:rPr lang="de-DE" smtClean="0"/>
-              <a:t>15.07.2022</a:t>
+              <a:t>18.07.2022</a:t>
             </a:fld>
             <a:endParaRPr lang="de-DE"/>
           </a:p>
@@ -1157,7 +1158,7 @@
           <a:p>
             <a:fld id="{4031BD71-AB75-48A5-9DD3-2C8B92F7C741}" type="datetimeFigureOut">
               <a:rPr lang="de-DE" smtClean="0"/>
-              <a:t>15.07.2022</a:t>
+              <a:t>18.07.2022</a:t>
             </a:fld>
             <a:endParaRPr lang="de-DE"/>
           </a:p>
@@ -1425,7 +1426,7 @@
           <a:p>
             <a:fld id="{4031BD71-AB75-48A5-9DD3-2C8B92F7C741}" type="datetimeFigureOut">
               <a:rPr lang="de-DE" smtClean="0"/>
-              <a:t>15.07.2022</a:t>
+              <a:t>18.07.2022</a:t>
             </a:fld>
             <a:endParaRPr lang="de-DE"/>
           </a:p>
@@ -1840,7 +1841,7 @@
           <a:p>
             <a:fld id="{4031BD71-AB75-48A5-9DD3-2C8B92F7C741}" type="datetimeFigureOut">
               <a:rPr lang="de-DE" smtClean="0"/>
-              <a:t>15.07.2022</a:t>
+              <a:t>18.07.2022</a:t>
             </a:fld>
             <a:endParaRPr lang="de-DE"/>
           </a:p>
@@ -1982,7 +1983,7 @@
           <a:p>
             <a:fld id="{4031BD71-AB75-48A5-9DD3-2C8B92F7C741}" type="datetimeFigureOut">
               <a:rPr lang="de-DE" smtClean="0"/>
-              <a:t>15.07.2022</a:t>
+              <a:t>18.07.2022</a:t>
             </a:fld>
             <a:endParaRPr lang="de-DE"/>
           </a:p>
@@ -2095,7 +2096,7 @@
           <a:p>
             <a:fld id="{4031BD71-AB75-48A5-9DD3-2C8B92F7C741}" type="datetimeFigureOut">
               <a:rPr lang="de-DE" smtClean="0"/>
-              <a:t>15.07.2022</a:t>
+              <a:t>18.07.2022</a:t>
             </a:fld>
             <a:endParaRPr lang="de-DE"/>
           </a:p>
@@ -2408,7 +2409,7 @@
           <a:p>
             <a:fld id="{4031BD71-AB75-48A5-9DD3-2C8B92F7C741}" type="datetimeFigureOut">
               <a:rPr lang="de-DE" smtClean="0"/>
-              <a:t>15.07.2022</a:t>
+              <a:t>18.07.2022</a:t>
             </a:fld>
             <a:endParaRPr lang="de-DE"/>
           </a:p>
@@ -2697,7 +2698,7 @@
           <a:p>
             <a:fld id="{4031BD71-AB75-48A5-9DD3-2C8B92F7C741}" type="datetimeFigureOut">
               <a:rPr lang="de-DE" smtClean="0"/>
-              <a:t>15.07.2022</a:t>
+              <a:t>18.07.2022</a:t>
             </a:fld>
             <a:endParaRPr lang="de-DE"/>
           </a:p>
@@ -2940,7 +2941,7 @@
           <a:p>
             <a:fld id="{4031BD71-AB75-48A5-9DD3-2C8B92F7C741}" type="datetimeFigureOut">
               <a:rPr lang="de-DE" smtClean="0"/>
-              <a:t>15.07.2022</a:t>
+              <a:t>18.07.2022</a:t>
             </a:fld>
             <a:endParaRPr lang="de-DE"/>
           </a:p>
@@ -4412,6 +4413,232 @@
 </p:sld>
 </file>
 
+<file path=ppt/slides/slide12.xml><?xml version="1.0" encoding="utf-8"?>
+<p:sld xmlns:a="http://schemas.openxmlformats.org/drawingml/2006/main" xmlns:r="http://schemas.openxmlformats.org/officeDocument/2006/relationships" xmlns:p="http://schemas.openxmlformats.org/presentationml/2006/main">
+  <p:cSld>
+    <p:spTree>
+      <p:nvGrpSpPr>
+        <p:cNvPr id="1" name=""/>
+        <p:cNvGrpSpPr/>
+        <p:nvPr/>
+      </p:nvGrpSpPr>
+      <p:grpSpPr>
+        <a:xfrm>
+          <a:off x="0" y="0"/>
+          <a:ext cx="0" cy="0"/>
+          <a:chOff x="0" y="0"/>
+          <a:chExt cx="0" cy="0"/>
+        </a:xfrm>
+      </p:grpSpPr>
+      <p:sp>
+        <p:nvSpPr>
+          <p:cNvPr id="4" name="Rectangle 3">
+            <a:extLst>
+              <a:ext uri="{FF2B5EF4-FFF2-40B4-BE49-F238E27FC236}">
+                <a16:creationId xmlns:a16="http://schemas.microsoft.com/office/drawing/2014/main" id="{863C6945-268B-F86D-F417-22E13E42041A}"/>
+              </a:ext>
+            </a:extLst>
+          </p:cNvPr>
+          <p:cNvSpPr/>
+          <p:nvPr/>
+        </p:nvSpPr>
+        <p:spPr>
+          <a:xfrm>
+            <a:off x="2885871" y="2308698"/>
+            <a:ext cx="1459149" cy="680936"/>
+          </a:xfrm>
+          <a:prstGeom prst="rect">
+            <a:avLst/>
+          </a:prstGeom>
+          <a:solidFill>
+            <a:schemeClr val="accent1">
+              <a:lumMod val="20000"/>
+              <a:lumOff val="80000"/>
+            </a:schemeClr>
+          </a:solidFill>
+          <a:ln>
+            <a:noFill/>
+          </a:ln>
+        </p:spPr>
+        <p:style>
+          <a:lnRef idx="2">
+            <a:schemeClr val="accent1">
+              <a:shade val="50000"/>
+            </a:schemeClr>
+          </a:lnRef>
+          <a:fillRef idx="1">
+            <a:schemeClr val="accent1"/>
+          </a:fillRef>
+          <a:effectRef idx="0">
+            <a:schemeClr val="accent1"/>
+          </a:effectRef>
+          <a:fontRef idx="minor">
+            <a:schemeClr val="lt1"/>
+          </a:fontRef>
+        </p:style>
+        <p:txBody>
+          <a:bodyPr rtlCol="0" anchor="ctr"/>
+          <a:lstStyle/>
+          <a:p>
+            <a:pPr algn="ctr"/>
+            <a:r>
+              <a:rPr lang="en-GB" dirty="0">
+                <a:solidFill>
+                  <a:schemeClr val="tx1"/>
+                </a:solidFill>
+              </a:rPr>
+              <a:t>IMU Manager</a:t>
+            </a:r>
+          </a:p>
+        </p:txBody>
+      </p:sp>
+      <p:sp>
+        <p:nvSpPr>
+          <p:cNvPr id="5" name="Rectangle 4">
+            <a:extLst>
+              <a:ext uri="{FF2B5EF4-FFF2-40B4-BE49-F238E27FC236}">
+                <a16:creationId xmlns:a16="http://schemas.microsoft.com/office/drawing/2014/main" id="{1D96877D-F2FF-7BF7-74F7-33DE28C94BCC}"/>
+              </a:ext>
+            </a:extLst>
+          </p:cNvPr>
+          <p:cNvSpPr/>
+          <p:nvPr/>
+        </p:nvSpPr>
+        <p:spPr>
+          <a:xfrm>
+            <a:off x="2000653" y="3527899"/>
+            <a:ext cx="1459149" cy="680936"/>
+          </a:xfrm>
+          <a:prstGeom prst="rect">
+            <a:avLst/>
+          </a:prstGeom>
+          <a:solidFill>
+            <a:schemeClr val="accent1">
+              <a:lumMod val="20000"/>
+              <a:lumOff val="80000"/>
+            </a:schemeClr>
+          </a:solidFill>
+          <a:ln>
+            <a:noFill/>
+          </a:ln>
+        </p:spPr>
+        <p:style>
+          <a:lnRef idx="2">
+            <a:schemeClr val="accent1">
+              <a:shade val="50000"/>
+            </a:schemeClr>
+          </a:lnRef>
+          <a:fillRef idx="1">
+            <a:schemeClr val="accent1"/>
+          </a:fillRef>
+          <a:effectRef idx="0">
+            <a:schemeClr val="accent1"/>
+          </a:effectRef>
+          <a:fontRef idx="minor">
+            <a:schemeClr val="lt1"/>
+          </a:fontRef>
+        </p:style>
+        <p:txBody>
+          <a:bodyPr rtlCol="0" anchor="ctr"/>
+          <a:lstStyle/>
+          <a:p>
+            <a:pPr algn="ctr"/>
+            <a:r>
+              <a:rPr lang="en-GB" dirty="0" err="1">
+                <a:solidFill>
+                  <a:schemeClr val="tx1"/>
+                </a:solidFill>
+              </a:rPr>
+              <a:t>Microstrain</a:t>
+            </a:r>
+            <a:endParaRPr lang="en-GB" dirty="0">
+              <a:solidFill>
+                <a:schemeClr val="tx1"/>
+              </a:solidFill>
+            </a:endParaRPr>
+          </a:p>
+        </p:txBody>
+      </p:sp>
+      <p:sp>
+        <p:nvSpPr>
+          <p:cNvPr id="6" name="Rectangle 5">
+            <a:extLst>
+              <a:ext uri="{FF2B5EF4-FFF2-40B4-BE49-F238E27FC236}">
+                <a16:creationId xmlns:a16="http://schemas.microsoft.com/office/drawing/2014/main" id="{DEE4A5C1-F345-3BEA-B6D2-739EBCA5C5D1}"/>
+              </a:ext>
+            </a:extLst>
+          </p:cNvPr>
+          <p:cNvSpPr/>
+          <p:nvPr/>
+        </p:nvSpPr>
+        <p:spPr>
+          <a:xfrm>
+            <a:off x="3741904" y="3527899"/>
+            <a:ext cx="1459149" cy="680936"/>
+          </a:xfrm>
+          <a:prstGeom prst="rect">
+            <a:avLst/>
+          </a:prstGeom>
+          <a:solidFill>
+            <a:schemeClr val="accent1">
+              <a:lumMod val="20000"/>
+              <a:lumOff val="80000"/>
+            </a:schemeClr>
+          </a:solidFill>
+          <a:ln>
+            <a:noFill/>
+          </a:ln>
+        </p:spPr>
+        <p:style>
+          <a:lnRef idx="2">
+            <a:schemeClr val="accent1">
+              <a:shade val="50000"/>
+            </a:schemeClr>
+          </a:lnRef>
+          <a:fillRef idx="1">
+            <a:schemeClr val="accent1"/>
+          </a:fillRef>
+          <a:effectRef idx="0">
+            <a:schemeClr val="accent1"/>
+          </a:effectRef>
+          <a:fontRef idx="minor">
+            <a:schemeClr val="lt1"/>
+          </a:fontRef>
+        </p:style>
+        <p:txBody>
+          <a:bodyPr rtlCol="0" anchor="ctr"/>
+          <a:lstStyle/>
+          <a:p>
+            <a:pPr algn="ctr"/>
+            <a:r>
+              <a:rPr lang="en-GB">
+                <a:solidFill>
+                  <a:schemeClr val="tx1"/>
+                </a:solidFill>
+              </a:rPr>
+              <a:t>LIS3DM</a:t>
+            </a:r>
+            <a:endParaRPr lang="en-GB" dirty="0">
+              <a:solidFill>
+                <a:schemeClr val="tx1"/>
+              </a:solidFill>
+            </a:endParaRPr>
+          </a:p>
+        </p:txBody>
+      </p:sp>
+    </p:spTree>
+    <p:extLst>
+      <p:ext uri="{BB962C8B-B14F-4D97-AF65-F5344CB8AC3E}">
+        <p14:creationId xmlns:p14="http://schemas.microsoft.com/office/powerpoint/2010/main" val="185431147"/>
+      </p:ext>
+    </p:extLst>
+  </p:cSld>
+  <p:clrMapOvr>
+    <a:masterClrMapping/>
+  </p:clrMapOvr>
+</p:sld>
+</file>
+
 <file path=ppt/slides/slide2.xml><?xml version="1.0" encoding="utf-8"?>
 <p:sld xmlns:a="http://schemas.openxmlformats.org/drawingml/2006/main" xmlns:r="http://schemas.openxmlformats.org/officeDocument/2006/relationships" xmlns:p="http://schemas.openxmlformats.org/presentationml/2006/main">
   <p:cSld>

--- a/schematics/Wiring.pptx
+++ b/schematics/Wiring.pptx
@@ -272,7 +272,7 @@
           <a:p>
             <a:fld id="{4031BD71-AB75-48A5-9DD3-2C8B92F7C741}" type="datetimeFigureOut">
               <a:rPr lang="de-DE" smtClean="0"/>
-              <a:t>18.07.2022</a:t>
+              <a:t>19.07.2022</a:t>
             </a:fld>
             <a:endParaRPr lang="de-DE"/>
           </a:p>
@@ -472,7 +472,7 @@
           <a:p>
             <a:fld id="{4031BD71-AB75-48A5-9DD3-2C8B92F7C741}" type="datetimeFigureOut">
               <a:rPr lang="de-DE" smtClean="0"/>
-              <a:t>18.07.2022</a:t>
+              <a:t>19.07.2022</a:t>
             </a:fld>
             <a:endParaRPr lang="de-DE"/>
           </a:p>
@@ -682,7 +682,7 @@
           <a:p>
             <a:fld id="{4031BD71-AB75-48A5-9DD3-2C8B92F7C741}" type="datetimeFigureOut">
               <a:rPr lang="de-DE" smtClean="0"/>
-              <a:t>18.07.2022</a:t>
+              <a:t>19.07.2022</a:t>
             </a:fld>
             <a:endParaRPr lang="de-DE"/>
           </a:p>
@@ -882,7 +882,7 @@
           <a:p>
             <a:fld id="{4031BD71-AB75-48A5-9DD3-2C8B92F7C741}" type="datetimeFigureOut">
               <a:rPr lang="de-DE" smtClean="0"/>
-              <a:t>18.07.2022</a:t>
+              <a:t>19.07.2022</a:t>
             </a:fld>
             <a:endParaRPr lang="de-DE"/>
           </a:p>
@@ -1158,7 +1158,7 @@
           <a:p>
             <a:fld id="{4031BD71-AB75-48A5-9DD3-2C8B92F7C741}" type="datetimeFigureOut">
               <a:rPr lang="de-DE" smtClean="0"/>
-              <a:t>18.07.2022</a:t>
+              <a:t>19.07.2022</a:t>
             </a:fld>
             <a:endParaRPr lang="de-DE"/>
           </a:p>
@@ -1426,7 +1426,7 @@
           <a:p>
             <a:fld id="{4031BD71-AB75-48A5-9DD3-2C8B92F7C741}" type="datetimeFigureOut">
               <a:rPr lang="de-DE" smtClean="0"/>
-              <a:t>18.07.2022</a:t>
+              <a:t>19.07.2022</a:t>
             </a:fld>
             <a:endParaRPr lang="de-DE"/>
           </a:p>
@@ -1841,7 +1841,7 @@
           <a:p>
             <a:fld id="{4031BD71-AB75-48A5-9DD3-2C8B92F7C741}" type="datetimeFigureOut">
               <a:rPr lang="de-DE" smtClean="0"/>
-              <a:t>18.07.2022</a:t>
+              <a:t>19.07.2022</a:t>
             </a:fld>
             <a:endParaRPr lang="de-DE"/>
           </a:p>
@@ -1983,7 +1983,7 @@
           <a:p>
             <a:fld id="{4031BD71-AB75-48A5-9DD3-2C8B92F7C741}" type="datetimeFigureOut">
               <a:rPr lang="de-DE" smtClean="0"/>
-              <a:t>18.07.2022</a:t>
+              <a:t>19.07.2022</a:t>
             </a:fld>
             <a:endParaRPr lang="de-DE"/>
           </a:p>
@@ -2096,7 +2096,7 @@
           <a:p>
             <a:fld id="{4031BD71-AB75-48A5-9DD3-2C8B92F7C741}" type="datetimeFigureOut">
               <a:rPr lang="de-DE" smtClean="0"/>
-              <a:t>18.07.2022</a:t>
+              <a:t>19.07.2022</a:t>
             </a:fld>
             <a:endParaRPr lang="de-DE"/>
           </a:p>
@@ -2409,7 +2409,7 @@
           <a:p>
             <a:fld id="{4031BD71-AB75-48A5-9DD3-2C8B92F7C741}" type="datetimeFigureOut">
               <a:rPr lang="de-DE" smtClean="0"/>
-              <a:t>18.07.2022</a:t>
+              <a:t>19.07.2022</a:t>
             </a:fld>
             <a:endParaRPr lang="de-DE"/>
           </a:p>
@@ -2698,7 +2698,7 @@
           <a:p>
             <a:fld id="{4031BD71-AB75-48A5-9DD3-2C8B92F7C741}" type="datetimeFigureOut">
               <a:rPr lang="de-DE" smtClean="0"/>
-              <a:t>18.07.2022</a:t>
+              <a:t>19.07.2022</a:t>
             </a:fld>
             <a:endParaRPr lang="de-DE"/>
           </a:p>
@@ -2941,7 +2941,7 @@
           <a:p>
             <a:fld id="{4031BD71-AB75-48A5-9DD3-2C8B92F7C741}" type="datetimeFigureOut">
               <a:rPr lang="de-DE" smtClean="0"/>
-              <a:t>18.07.2022</a:t>
+              <a:t>19.07.2022</a:t>
             </a:fld>
             <a:endParaRPr lang="de-DE"/>
           </a:p>
@@ -7480,36 +7480,6 @@
           </a:prstGeom>
         </p:spPr>
       </p:pic>
-      <p:pic>
-        <p:nvPicPr>
-          <p:cNvPr id="14" name="Picture 13">
-            <a:extLst>
-              <a:ext uri="{FF2B5EF4-FFF2-40B4-BE49-F238E27FC236}">
-                <a16:creationId xmlns:a16="http://schemas.microsoft.com/office/drawing/2014/main" id="{D846BB70-CA0A-EAC0-F2B9-42FC0D3F962E}"/>
-              </a:ext>
-            </a:extLst>
-          </p:cNvPr>
-          <p:cNvPicPr>
-            <a:picLocks noChangeAspect="1"/>
-          </p:cNvPicPr>
-          <p:nvPr/>
-        </p:nvPicPr>
-        <p:blipFill>
-          <a:blip r:embed="rId3"/>
-          <a:stretch>
-            <a:fillRect/>
-          </a:stretch>
-        </p:blipFill>
-        <p:spPr>
-          <a:xfrm>
-            <a:off x="6645565" y="688856"/>
-            <a:ext cx="5669280" cy="5625400"/>
-          </a:xfrm>
-          <a:prstGeom prst="rect">
-            <a:avLst/>
-          </a:prstGeom>
-        </p:spPr>
-      </p:pic>
       <p:sp>
         <p:nvSpPr>
           <p:cNvPr id="15" name="Rectangle 14">
